--- a/documentation/Group presentation.pptx
+++ b/documentation/Group presentation.pptx
@@ -5,7 +5,7 @@
     <p:sldMasterId id="2147483648" r:id="rId1"/>
   </p:sldMasterIdLst>
   <p:notesMasterIdLst>
-    <p:notesMasterId r:id="rId24"/>
+    <p:notesMasterId r:id="rId27"/>
   </p:notesMasterIdLst>
   <p:sldIdLst>
     <p:sldId id="256" r:id="rId2"/>
@@ -23,13 +23,16 @@
     <p:sldId id="278" r:id="rId14"/>
     <p:sldId id="273" r:id="rId15"/>
     <p:sldId id="271" r:id="rId16"/>
-    <p:sldId id="275" r:id="rId17"/>
-    <p:sldId id="276" r:id="rId18"/>
-    <p:sldId id="279" r:id="rId19"/>
-    <p:sldId id="280" r:id="rId20"/>
-    <p:sldId id="281" r:id="rId21"/>
-    <p:sldId id="282" r:id="rId22"/>
-    <p:sldId id="283" r:id="rId23"/>
+    <p:sldId id="285" r:id="rId17"/>
+    <p:sldId id="286" r:id="rId18"/>
+    <p:sldId id="287" r:id="rId19"/>
+    <p:sldId id="288" r:id="rId20"/>
+    <p:sldId id="275" r:id="rId21"/>
+    <p:sldId id="276" r:id="rId22"/>
+    <p:sldId id="279" r:id="rId23"/>
+    <p:sldId id="280" r:id="rId24"/>
+    <p:sldId id="290" r:id="rId25"/>
+    <p:sldId id="283" r:id="rId26"/>
   </p:sldIdLst>
   <p:sldSz cx="12192000" cy="6858000"/>
   <p:notesSz cx="6858000" cy="9144000"/>
@@ -218,7 +221,7 @@
           <a:p>
             <a:fld id="{43E9A659-5905-4000-8F3C-7006D14AE7CA}" type="datetimeFigureOut">
               <a:rPr lang="en-GB" smtClean="0"/>
-              <a:t>06/05/2020</a:t>
+              <a:t>07/05/2020</a:t>
             </a:fld>
             <a:endParaRPr lang="en-GB"/>
           </a:p>
@@ -654,6 +657,174 @@
 </p:notes>
 </file>
 
+<file path=ppt/notesSlides/notesSlide3.xml><?xml version="1.0" encoding="utf-8"?>
+<p:notes xmlns:a="http://schemas.openxmlformats.org/drawingml/2006/main" xmlns:r="http://schemas.openxmlformats.org/officeDocument/2006/relationships" xmlns:p="http://schemas.openxmlformats.org/presentationml/2006/main">
+  <p:cSld>
+    <p:spTree>
+      <p:nvGrpSpPr>
+        <p:cNvPr id="1" name=""/>
+        <p:cNvGrpSpPr/>
+        <p:nvPr/>
+      </p:nvGrpSpPr>
+      <p:grpSpPr>
+        <a:xfrm>
+          <a:off x="0" y="0"/>
+          <a:ext cx="0" cy="0"/>
+          <a:chOff x="0" y="0"/>
+          <a:chExt cx="0" cy="0"/>
+        </a:xfrm>
+      </p:grpSpPr>
+      <p:sp>
+        <p:nvSpPr>
+          <p:cNvPr id="2" name="Slide Image Placeholder 1"/>
+          <p:cNvSpPr>
+            <a:spLocks noGrp="1" noRot="1" noChangeAspect="1"/>
+          </p:cNvSpPr>
+          <p:nvPr>
+            <p:ph type="sldImg"/>
+          </p:nvPr>
+        </p:nvSpPr>
+        <p:spPr/>
+      </p:sp>
+      <p:sp>
+        <p:nvSpPr>
+          <p:cNvPr id="3" name="Notes Placeholder 2"/>
+          <p:cNvSpPr>
+            <a:spLocks noGrp="1"/>
+          </p:cNvSpPr>
+          <p:nvPr>
+            <p:ph type="body" idx="1"/>
+          </p:nvPr>
+        </p:nvSpPr>
+        <p:spPr/>
+        <p:txBody>
+          <a:bodyPr/>
+          <a:lstStyle/>
+          <a:p>
+            <a:endParaRPr lang="en-GB" dirty="0"/>
+          </a:p>
+        </p:txBody>
+      </p:sp>
+      <p:sp>
+        <p:nvSpPr>
+          <p:cNvPr id="4" name="Slide Number Placeholder 3"/>
+          <p:cNvSpPr>
+            <a:spLocks noGrp="1"/>
+          </p:cNvSpPr>
+          <p:nvPr>
+            <p:ph type="sldNum" sz="quarter" idx="5"/>
+          </p:nvPr>
+        </p:nvSpPr>
+        <p:spPr/>
+        <p:txBody>
+          <a:bodyPr/>
+          <a:lstStyle/>
+          <a:p>
+            <a:fld id="{A95954EA-A83B-4E00-9BA6-C175658EDA4C}" type="slidenum">
+              <a:rPr lang="en-GB" smtClean="0"/>
+              <a:t>16</a:t>
+            </a:fld>
+            <a:endParaRPr lang="en-GB"/>
+          </a:p>
+        </p:txBody>
+      </p:sp>
+    </p:spTree>
+    <p:extLst>
+      <p:ext uri="{BB962C8B-B14F-4D97-AF65-F5344CB8AC3E}">
+        <p14:creationId xmlns:p14="http://schemas.microsoft.com/office/powerpoint/2010/main" val="1227838924"/>
+      </p:ext>
+    </p:extLst>
+  </p:cSld>
+  <p:clrMapOvr>
+    <a:masterClrMapping/>
+  </p:clrMapOvr>
+</p:notes>
+</file>
+
+<file path=ppt/notesSlides/notesSlide4.xml><?xml version="1.0" encoding="utf-8"?>
+<p:notes xmlns:a="http://schemas.openxmlformats.org/drawingml/2006/main" xmlns:r="http://schemas.openxmlformats.org/officeDocument/2006/relationships" xmlns:p="http://schemas.openxmlformats.org/presentationml/2006/main">
+  <p:cSld>
+    <p:spTree>
+      <p:nvGrpSpPr>
+        <p:cNvPr id="1" name=""/>
+        <p:cNvGrpSpPr/>
+        <p:nvPr/>
+      </p:nvGrpSpPr>
+      <p:grpSpPr>
+        <a:xfrm>
+          <a:off x="0" y="0"/>
+          <a:ext cx="0" cy="0"/>
+          <a:chOff x="0" y="0"/>
+          <a:chExt cx="0" cy="0"/>
+        </a:xfrm>
+      </p:grpSpPr>
+      <p:sp>
+        <p:nvSpPr>
+          <p:cNvPr id="2" name="Slide Image Placeholder 1"/>
+          <p:cNvSpPr>
+            <a:spLocks noGrp="1" noRot="1" noChangeAspect="1"/>
+          </p:cNvSpPr>
+          <p:nvPr>
+            <p:ph type="sldImg"/>
+          </p:nvPr>
+        </p:nvSpPr>
+        <p:spPr/>
+      </p:sp>
+      <p:sp>
+        <p:nvSpPr>
+          <p:cNvPr id="3" name="Notes Placeholder 2"/>
+          <p:cNvSpPr>
+            <a:spLocks noGrp="1"/>
+          </p:cNvSpPr>
+          <p:nvPr>
+            <p:ph type="body" idx="1"/>
+          </p:nvPr>
+        </p:nvSpPr>
+        <p:spPr/>
+        <p:txBody>
+          <a:bodyPr/>
+          <a:lstStyle/>
+          <a:p>
+            <a:endParaRPr lang="en-GB" dirty="0"/>
+          </a:p>
+        </p:txBody>
+      </p:sp>
+      <p:sp>
+        <p:nvSpPr>
+          <p:cNvPr id="4" name="Slide Number Placeholder 3"/>
+          <p:cNvSpPr>
+            <a:spLocks noGrp="1"/>
+          </p:cNvSpPr>
+          <p:nvPr>
+            <p:ph type="sldNum" sz="quarter" idx="5"/>
+          </p:nvPr>
+        </p:nvSpPr>
+        <p:spPr/>
+        <p:txBody>
+          <a:bodyPr/>
+          <a:lstStyle/>
+          <a:p>
+            <a:fld id="{A95954EA-A83B-4E00-9BA6-C175658EDA4C}" type="slidenum">
+              <a:rPr lang="en-GB" smtClean="0"/>
+              <a:t>24</a:t>
+            </a:fld>
+            <a:endParaRPr lang="en-GB"/>
+          </a:p>
+        </p:txBody>
+      </p:sp>
+    </p:spTree>
+    <p:extLst>
+      <p:ext uri="{BB962C8B-B14F-4D97-AF65-F5344CB8AC3E}">
+        <p14:creationId xmlns:p14="http://schemas.microsoft.com/office/powerpoint/2010/main" val="3607460477"/>
+      </p:ext>
+    </p:extLst>
+  </p:cSld>
+  <p:clrMapOvr>
+    <a:masterClrMapping/>
+  </p:clrMapOvr>
+</p:notes>
+</file>
+
 <file path=ppt/slideLayouts/slideLayout1.xml><?xml version="1.0" encoding="utf-8"?>
 <p:sldLayout xmlns:a="http://schemas.openxmlformats.org/drawingml/2006/main" xmlns:r="http://schemas.openxmlformats.org/officeDocument/2006/relationships" xmlns:p="http://schemas.openxmlformats.org/presentationml/2006/main" type="title" preserve="1">
   <p:cSld name="Title Slide">
@@ -803,7 +974,7 @@
           <a:p>
             <a:fld id="{4575178D-B20F-4ED1-8DDA-24198A04CE80}" type="datetimeFigureOut">
               <a:rPr lang="en-GB" smtClean="0"/>
-              <a:t>06/05/2020</a:t>
+              <a:t>07/05/2020</a:t>
             </a:fld>
             <a:endParaRPr lang="en-GB"/>
           </a:p>
@@ -1003,7 +1174,7 @@
           <a:p>
             <a:fld id="{4575178D-B20F-4ED1-8DDA-24198A04CE80}" type="datetimeFigureOut">
               <a:rPr lang="en-GB" smtClean="0"/>
-              <a:t>06/05/2020</a:t>
+              <a:t>07/05/2020</a:t>
             </a:fld>
             <a:endParaRPr lang="en-GB"/>
           </a:p>
@@ -1213,7 +1384,7 @@
           <a:p>
             <a:fld id="{4575178D-B20F-4ED1-8DDA-24198A04CE80}" type="datetimeFigureOut">
               <a:rPr lang="en-GB" smtClean="0"/>
-              <a:t>06/05/2020</a:t>
+              <a:t>07/05/2020</a:t>
             </a:fld>
             <a:endParaRPr lang="en-GB"/>
           </a:p>
@@ -1413,7 +1584,7 @@
           <a:p>
             <a:fld id="{4575178D-B20F-4ED1-8DDA-24198A04CE80}" type="datetimeFigureOut">
               <a:rPr lang="en-GB" smtClean="0"/>
-              <a:t>06/05/2020</a:t>
+              <a:t>07/05/2020</a:t>
             </a:fld>
             <a:endParaRPr lang="en-GB"/>
           </a:p>
@@ -1689,7 +1860,7 @@
           <a:p>
             <a:fld id="{4575178D-B20F-4ED1-8DDA-24198A04CE80}" type="datetimeFigureOut">
               <a:rPr lang="en-GB" smtClean="0"/>
-              <a:t>06/05/2020</a:t>
+              <a:t>07/05/2020</a:t>
             </a:fld>
             <a:endParaRPr lang="en-GB"/>
           </a:p>
@@ -1957,7 +2128,7 @@
           <a:p>
             <a:fld id="{4575178D-B20F-4ED1-8DDA-24198A04CE80}" type="datetimeFigureOut">
               <a:rPr lang="en-GB" smtClean="0"/>
-              <a:t>06/05/2020</a:t>
+              <a:t>07/05/2020</a:t>
             </a:fld>
             <a:endParaRPr lang="en-GB"/>
           </a:p>
@@ -2372,7 +2543,7 @@
           <a:p>
             <a:fld id="{4575178D-B20F-4ED1-8DDA-24198A04CE80}" type="datetimeFigureOut">
               <a:rPr lang="en-GB" smtClean="0"/>
-              <a:t>06/05/2020</a:t>
+              <a:t>07/05/2020</a:t>
             </a:fld>
             <a:endParaRPr lang="en-GB"/>
           </a:p>
@@ -2514,7 +2685,7 @@
           <a:p>
             <a:fld id="{4575178D-B20F-4ED1-8DDA-24198A04CE80}" type="datetimeFigureOut">
               <a:rPr lang="en-GB" smtClean="0"/>
-              <a:t>06/05/2020</a:t>
+              <a:t>07/05/2020</a:t>
             </a:fld>
             <a:endParaRPr lang="en-GB"/>
           </a:p>
@@ -2627,7 +2798,7 @@
           <a:p>
             <a:fld id="{4575178D-B20F-4ED1-8DDA-24198A04CE80}" type="datetimeFigureOut">
               <a:rPr lang="en-GB" smtClean="0"/>
-              <a:t>06/05/2020</a:t>
+              <a:t>07/05/2020</a:t>
             </a:fld>
             <a:endParaRPr lang="en-GB"/>
           </a:p>
@@ -2940,7 +3111,7 @@
           <a:p>
             <a:fld id="{4575178D-B20F-4ED1-8DDA-24198A04CE80}" type="datetimeFigureOut">
               <a:rPr lang="en-GB" smtClean="0"/>
-              <a:t>06/05/2020</a:t>
+              <a:t>07/05/2020</a:t>
             </a:fld>
             <a:endParaRPr lang="en-GB"/>
           </a:p>
@@ -3229,7 +3400,7 @@
           <a:p>
             <a:fld id="{4575178D-B20F-4ED1-8DDA-24198A04CE80}" type="datetimeFigureOut">
               <a:rPr lang="en-GB" smtClean="0"/>
-              <a:t>06/05/2020</a:t>
+              <a:t>07/05/2020</a:t>
             </a:fld>
             <a:endParaRPr lang="en-GB"/>
           </a:p>
@@ -3472,7 +3643,7 @@
           <a:p>
             <a:fld id="{4575178D-B20F-4ED1-8DDA-24198A04CE80}" type="datetimeFigureOut">
               <a:rPr lang="en-GB" smtClean="0"/>
-              <a:t>06/05/2020</a:t>
+              <a:t>07/05/2020</a:t>
             </a:fld>
             <a:endParaRPr lang="en-GB"/>
           </a:p>
@@ -3911,7 +4082,7 @@
           <a:lstStyle/>
           <a:p>
             <a:r>
-              <a:rPr lang="en-GB" dirty="0"/>
+              <a:rPr lang="en-GB" b="1" dirty="0"/>
               <a:t>AWS</a:t>
             </a:r>
           </a:p>
@@ -3933,15 +4104,74 @@
             <p:ph type="subTitle" idx="1"/>
           </p:nvPr>
         </p:nvSpPr>
-        <p:spPr/>
-        <p:txBody>
-          <a:bodyPr/>
-          <a:lstStyle/>
-          <a:p>
-            <a:r>
-              <a:rPr lang="en-GB" dirty="0"/>
-              <a:t>Group Assignment</a:t>
-            </a:r>
+        <p:spPr>
+          <a:xfrm>
+            <a:off x="1939332" y="3622134"/>
+            <a:ext cx="8313336" cy="1854217"/>
+          </a:xfrm>
+        </p:spPr>
+        <p:txBody>
+          <a:bodyPr>
+            <a:normAutofit fontScale="40000" lnSpcReduction="20000"/>
+          </a:bodyPr>
+          <a:lstStyle/>
+          <a:p>
+            <a:r>
+              <a:rPr lang="en-GB" sz="4300" dirty="0"/>
+              <a:t>Group Assignment by:</a:t>
+            </a:r>
+          </a:p>
+          <a:p>
+            <a:r>
+              <a:rPr lang="en-GB" sz="4300" dirty="0"/>
+              <a:t> </a:t>
+            </a:r>
+            <a:r>
+              <a:rPr lang="en-GB" sz="4300" u="sng" dirty="0">
+                <a:hlinkClick r:id="rId2"/>
+              </a:rPr>
+              <a:t>Nicolas Abadi</a:t>
+            </a:r>
+            <a:endParaRPr lang="en-GB" sz="4300" dirty="0"/>
+          </a:p>
+          <a:p>
+            <a:r>
+              <a:rPr lang="en-GB" sz="4300" dirty="0">
+                <a:hlinkClick r:id="rId3"/>
+              </a:rPr>
+              <a:t>Adelina Bronda</a:t>
+            </a:r>
+            <a:endParaRPr lang="en-GB" sz="4300" dirty="0"/>
+          </a:p>
+          <a:p>
+            <a:r>
+              <a:rPr lang="en-GB" sz="4300" dirty="0">
+                <a:hlinkClick r:id="rId4"/>
+              </a:rPr>
+              <a:t>Shana Charlery</a:t>
+            </a:r>
+            <a:endParaRPr lang="en-GB" sz="4300" dirty="0"/>
+          </a:p>
+          <a:p>
+            <a:r>
+              <a:rPr lang="en-GB" sz="4300" dirty="0">
+                <a:hlinkClick r:id="rId5"/>
+              </a:rPr>
+              <a:t>Finn Macrae</a:t>
+            </a:r>
+            <a:endParaRPr lang="en-GB" sz="4300" dirty="0"/>
+          </a:p>
+          <a:p>
+            <a:r>
+              <a:rPr lang="en-GB" sz="4300" dirty="0">
+                <a:hlinkClick r:id="rId6"/>
+              </a:rPr>
+              <a:t>Hifza Zaheer</a:t>
+            </a:r>
+            <a:endParaRPr lang="en-GB" sz="4300" dirty="0"/>
+          </a:p>
+          <a:p>
+            <a:endParaRPr lang="en-GB" dirty="0"/>
           </a:p>
         </p:txBody>
       </p:sp>
@@ -5253,10 +5483,10 @@
       </p:grpSpPr>
       <p:sp>
         <p:nvSpPr>
-          <p:cNvPr id="15" name="Rectangle 10">
-            <a:extLst>
-              <a:ext uri="{FF2B5EF4-FFF2-40B4-BE49-F238E27FC236}">
-                <a16:creationId xmlns:a16="http://schemas.microsoft.com/office/drawing/2014/main" id="{A4AC5506-6312-4701-8D3C-40187889A947}"/>
+          <p:cNvPr id="9" name="Rectangle 8">
+            <a:extLst>
+              <a:ext uri="{FF2B5EF4-FFF2-40B4-BE49-F238E27FC236}">
+                <a16:creationId xmlns:a16="http://schemas.microsoft.com/office/drawing/2014/main" id="{2A8AA5BC-4F7A-4226-8F99-6D824B226A97}"/>
               </a:ext>
               <a:ext uri="{C183D7F6-B498-43B3-948B-1728B52AA6E4}">
                 <adec:decorative xmlns:adec="http://schemas.microsoft.com/office/drawing/2017/decorative" val="1"/>
@@ -5276,14 +5506,14 @@
         </p:nvSpPr>
         <p:spPr>
           <a:xfrm>
-            <a:off x="0" y="651752"/>
-            <a:ext cx="12192000" cy="736551"/>
+            <a:off x="0" y="-3324"/>
+            <a:ext cx="12192000" cy="6861324"/>
           </a:xfrm>
           <a:prstGeom prst="rect">
             <a:avLst/>
           </a:prstGeom>
           <a:solidFill>
-            <a:schemeClr val="tx1"/>
+            <a:schemeClr val="bg1"/>
           </a:solidFill>
           <a:ln>
             <a:noFill/>
@@ -5309,6 +5539,156 @@
           <a:bodyPr rtlCol="0" anchor="ctr"/>
           <a:lstStyle/>
           <a:p>
+            <a:pPr marL="0" marR="0" lvl="0" indent="0" algn="ctr" defTabSz="914400" rtl="0" eaLnBrk="1" fontAlgn="auto" latinLnBrk="0" hangingPunct="1">
+              <a:lnSpc>
+                <a:spcPct val="100000"/>
+              </a:lnSpc>
+              <a:spcBef>
+                <a:spcPts val="0"/>
+              </a:spcBef>
+              <a:spcAft>
+                <a:spcPts val="0"/>
+              </a:spcAft>
+              <a:buClrTx/>
+              <a:buSzTx/>
+              <a:buFontTx/>
+              <a:buNone/>
+              <a:tabLst/>
+              <a:defRPr/>
+            </a:pPr>
+            <a:endParaRPr kumimoji="0" lang="en-US" sz="1800" b="0" i="0" u="none" strike="noStrike" kern="1200" cap="none" spc="0" normalizeH="0" baseline="0" noProof="0" dirty="0">
+              <a:ln>
+                <a:noFill/>
+              </a:ln>
+              <a:solidFill>
+                <a:prstClr val="white"/>
+              </a:solidFill>
+              <a:effectLst/>
+              <a:uLnTx/>
+              <a:uFillTx/>
+              <a:latin typeface="Calibri" panose="020F0502020204030204"/>
+              <a:ea typeface="+mn-ea"/>
+              <a:cs typeface="+mn-cs"/>
+            </a:endParaRPr>
+          </a:p>
+        </p:txBody>
+      </p:sp>
+      <p:cxnSp>
+        <p:nvCxnSpPr>
+          <p:cNvPr id="11" name="Straight Connector 10">
+            <a:extLst>
+              <a:ext uri="{FF2B5EF4-FFF2-40B4-BE49-F238E27FC236}">
+                <a16:creationId xmlns:a16="http://schemas.microsoft.com/office/drawing/2014/main" id="{911DBBF1-3229-4BD9-B3D1-B4CA571E7431}"/>
+              </a:ext>
+              <a:ext uri="{C183D7F6-B498-43B3-948B-1728B52AA6E4}">
+                <adec:decorative xmlns:adec="http://schemas.microsoft.com/office/drawing/2017/decorative" val="1"/>
+              </a:ext>
+            </a:extLst>
+          </p:cNvPr>
+          <p:cNvCxnSpPr>
+            <a:cxnSpLocks noGrp="1" noRot="1" noChangeAspect="1" noMove="1" noResize="1" noEditPoints="1" noAdjustHandles="1" noChangeArrowheads="1" noChangeShapeType="1"/>
+          </p:cNvCxnSpPr>
+          <p:nvPr>
+            <p:extLst>
+              <p:ext uri="{386F3935-93C4-4BCD-93E2-E3B085C9AB24}">
+                <p16:designElem xmlns:p16="http://schemas.microsoft.com/office/powerpoint/2015/main" val="1"/>
+              </p:ext>
+            </p:extLst>
+          </p:nvPr>
+        </p:nvCxnSpPr>
+        <p:spPr bwMode="white">
+          <a:xfrm>
+            <a:off x="0" y="843625"/>
+            <a:ext cx="12188824" cy="0"/>
+          </a:xfrm>
+          <a:prstGeom prst="line">
+            <a:avLst/>
+          </a:prstGeom>
+          <a:ln w="50800">
+            <a:solidFill>
+              <a:schemeClr val="tx1">
+                <a:lumMod val="75000"/>
+                <a:lumOff val="25000"/>
+              </a:schemeClr>
+            </a:solidFill>
+          </a:ln>
+        </p:spPr>
+        <p:style>
+          <a:lnRef idx="1">
+            <a:schemeClr val="accent1"/>
+          </a:lnRef>
+          <a:fillRef idx="0">
+            <a:schemeClr val="accent1"/>
+          </a:fillRef>
+          <a:effectRef idx="0">
+            <a:schemeClr val="accent1"/>
+          </a:effectRef>
+          <a:fontRef idx="minor">
+            <a:schemeClr val="tx1"/>
+          </a:fontRef>
+        </p:style>
+      </p:cxnSp>
+      <p:sp>
+        <p:nvSpPr>
+          <p:cNvPr id="13" name="Rectangle 12">
+            <a:extLst>
+              <a:ext uri="{FF2B5EF4-FFF2-40B4-BE49-F238E27FC236}">
+                <a16:creationId xmlns:a16="http://schemas.microsoft.com/office/drawing/2014/main" id="{5BC87C3E-1040-4EE4-9BDB-9537F7A1B335}"/>
+              </a:ext>
+              <a:ext uri="{C183D7F6-B498-43B3-948B-1728B52AA6E4}">
+                <adec:decorative xmlns:adec="http://schemas.microsoft.com/office/drawing/2017/decorative" val="1"/>
+              </a:ext>
+            </a:extLst>
+          </p:cNvPr>
+          <p:cNvSpPr>
+            <a:spLocks noGrp="1" noRot="1" noChangeAspect="1" noMove="1" noResize="1" noEditPoints="1" noAdjustHandles="1" noChangeArrowheads="1" noChangeShapeType="1" noTextEdit="1"/>
+          </p:cNvSpPr>
+          <p:nvPr>
+            <p:extLst>
+              <p:ext uri="{386F3935-93C4-4BCD-93E2-E3B085C9AB24}">
+                <p16:designElem xmlns:p16="http://schemas.microsoft.com/office/powerpoint/2015/main" val="1"/>
+              </p:ext>
+            </p:extLst>
+          </p:nvPr>
+        </p:nvSpPr>
+        <p:spPr>
+          <a:xfrm>
+            <a:off x="0" y="968282"/>
+            <a:ext cx="12192000" cy="4946904"/>
+          </a:xfrm>
+          <a:prstGeom prst="rect">
+            <a:avLst/>
+          </a:prstGeom>
+          <a:solidFill>
+            <a:schemeClr val="tx1">
+              <a:lumMod val="75000"/>
+              <a:lumOff val="25000"/>
+            </a:schemeClr>
+          </a:solidFill>
+          <a:ln>
+            <a:noFill/>
+          </a:ln>
+        </p:spPr>
+        <p:style>
+          <a:lnRef idx="2">
+            <a:schemeClr val="accent1">
+              <a:shade val="50000"/>
+            </a:schemeClr>
+          </a:lnRef>
+          <a:fillRef idx="1">
+            <a:schemeClr val="accent1"/>
+          </a:fillRef>
+          <a:effectRef idx="0">
+            <a:schemeClr val="accent1"/>
+          </a:effectRef>
+          <a:fontRef idx="minor">
+            <a:schemeClr val="lt1"/>
+          </a:fontRef>
+        </p:style>
+        <p:txBody>
+          <a:bodyPr rtlCol="0" anchor="ctr"/>
+          <a:lstStyle/>
+          <a:p>
             <a:pPr algn="ctr"/>
             <a:endParaRPr lang="en-US"/>
           </a:p>
@@ -5316,35 +5696,50 @@
       </p:sp>
       <p:sp>
         <p:nvSpPr>
-          <p:cNvPr id="2" name="Title 1">
-            <a:extLst>
-              <a:ext uri="{FF2B5EF4-FFF2-40B4-BE49-F238E27FC236}">
-                <a16:creationId xmlns:a16="http://schemas.microsoft.com/office/drawing/2014/main" id="{D6710789-8FA1-4EFE-B730-28782B3D21A0}"/>
-              </a:ext>
-            </a:extLst>
-          </p:cNvPr>
-          <p:cNvSpPr>
-            <a:spLocks noGrp="1"/>
-          </p:cNvSpPr>
-          <p:nvPr>
-            <p:ph type="title"/>
-          </p:nvPr>
+          <p:cNvPr id="4" name="Rectangle 3">
+            <a:extLst>
+              <a:ext uri="{FF2B5EF4-FFF2-40B4-BE49-F238E27FC236}">
+                <a16:creationId xmlns:a16="http://schemas.microsoft.com/office/drawing/2014/main" id="{F8881B4B-0512-4A06-9D4C-8ED94350E9D1}"/>
+              </a:ext>
+            </a:extLst>
+          </p:cNvPr>
+          <p:cNvSpPr/>
+          <p:nvPr/>
         </p:nvSpPr>
         <p:spPr>
           <a:xfrm>
-            <a:off x="556532" y="643467"/>
-            <a:ext cx="11210925" cy="744836"/>
-          </a:xfrm>
-        </p:spPr>
-        <p:txBody>
-          <a:bodyPr vert="horz" lIns="91440" tIns="45720" rIns="91440" bIns="45720" rtlCol="0" anchor="ctr">
+            <a:off x="795338" y="1566473"/>
+            <a:ext cx="10601325" cy="2166723"/>
+          </a:xfrm>
+          <a:prstGeom prst="rect">
+            <a:avLst/>
+          </a:prstGeom>
+        </p:spPr>
+        <p:txBody>
+          <a:bodyPr vert="horz" lIns="91440" tIns="45720" rIns="91440" bIns="45720" rtlCol="0" anchor="b">
             <a:normAutofit/>
           </a:bodyPr>
           <a:lstStyle/>
           <a:p>
-            <a:pPr algn="ctr"/>
-            <a:r>
-              <a:rPr lang="en-US" sz="3200" b="1" kern="1200">
+            <a:pPr algn="ctr">
+              <a:lnSpc>
+                <a:spcPct val="90000"/>
+              </a:lnSpc>
+              <a:spcBef>
+                <a:spcPct val="0"/>
+              </a:spcBef>
+              <a:spcAft>
+                <a:spcPts val="600"/>
+              </a:spcAft>
+            </a:pPr>
+            <a:r>
+              <a:rPr lang="en-US" sz="6600" b="1" dirty="0">
+                <a:ln w="12700" cmpd="sng">
+                  <a:solidFill>
+                    <a:schemeClr val="accent4"/>
+                  </a:solidFill>
+                  <a:prstDash val="solid"/>
+                </a:ln>
                 <a:solidFill>
                   <a:schemeClr val="bg1"/>
                 </a:solidFill>
@@ -5352,12 +5747,19 @@
                 <a:ea typeface="+mj-ea"/>
                 <a:cs typeface="+mj-cs"/>
               </a:rPr>
-              <a:t>Deployment Pipeline</a:t>
-            </a:r>
-            <a:endParaRPr lang="en-US" sz="3200" kern="1200">
+              <a:t>Testing</a:t>
+            </a:r>
+            <a:endParaRPr lang="en-US" sz="6600" b="1" kern="1200" cap="none" spc="0" dirty="0">
+              <a:ln w="12700" cmpd="sng">
+                <a:solidFill>
+                  <a:schemeClr val="accent4"/>
+                </a:solidFill>
+                <a:prstDash val="solid"/>
+              </a:ln>
               <a:solidFill>
                 <a:schemeClr val="bg1"/>
               </a:solidFill>
+              <a:effectLst/>
               <a:latin typeface="+mj-lt"/>
               <a:ea typeface="+mj-ea"/>
               <a:cs typeface="+mj-cs"/>
@@ -5365,46 +5767,119 @@
           </a:p>
         </p:txBody>
       </p:sp>
-      <p:pic>
-        <p:nvPicPr>
-          <p:cNvPr id="6" name="Picture 5" descr="A picture containing screenshot&#10;&#10;Description automatically generated">
-            <a:extLst>
-              <a:ext uri="{FF2B5EF4-FFF2-40B4-BE49-F238E27FC236}">
-                <a16:creationId xmlns:a16="http://schemas.microsoft.com/office/drawing/2014/main" id="{77C2BB3D-07C6-4725-93F4-66E4E13680E7}"/>
-              </a:ext>
-            </a:extLst>
-          </p:cNvPr>
-          <p:cNvPicPr>
-            <a:picLocks noChangeAspect="1"/>
-          </p:cNvPicPr>
-          <p:nvPr/>
-        </p:nvPicPr>
-        <p:blipFill>
-          <a:blip r:embed="rId2">
-            <a:extLst>
-              <a:ext uri="{28A0092B-C50C-407E-A947-70E740481C1C}">
-                <a14:useLocalDpi xmlns:a14="http://schemas.microsoft.com/office/drawing/2010/main" val="0"/>
-              </a:ext>
-            </a:extLst>
-          </a:blip>
-          <a:stretch>
-            <a:fillRect/>
-          </a:stretch>
-        </p:blipFill>
+      <p:cxnSp>
+        <p:nvCxnSpPr>
+          <p:cNvPr id="21" name="Straight Connector 14">
+            <a:extLst>
+              <a:ext uri="{FF2B5EF4-FFF2-40B4-BE49-F238E27FC236}">
+                <a16:creationId xmlns:a16="http://schemas.microsoft.com/office/drawing/2014/main" id="{42CDBECE-872A-4C73-9DC1-BB4E805E2CF5}"/>
+              </a:ext>
+              <a:ext uri="{C183D7F6-B498-43B3-948B-1728B52AA6E4}">
+                <adec:decorative xmlns:adec="http://schemas.microsoft.com/office/drawing/2017/decorative" val="1"/>
+              </a:ext>
+            </a:extLst>
+          </p:cNvPr>
+          <p:cNvCxnSpPr>
+            <a:cxnSpLocks noGrp="1" noRot="1" noChangeAspect="1" noMove="1" noResize="1" noEditPoints="1" noAdjustHandles="1" noChangeArrowheads="1" noChangeShapeType="1"/>
+          </p:cNvCxnSpPr>
+          <p:nvPr>
+            <p:extLst>
+              <p:ext uri="{386F3935-93C4-4BCD-93E2-E3B085C9AB24}">
+                <p16:designElem xmlns:p16="http://schemas.microsoft.com/office/powerpoint/2015/main" val="1"/>
+              </p:ext>
+            </p:extLst>
+          </p:nvPr>
+        </p:nvCxnSpPr>
         <p:spPr>
           <a:xfrm>
-            <a:off x="2702795" y="1675227"/>
-            <a:ext cx="6786409" cy="4394199"/>
-          </a:xfrm>
-          <a:prstGeom prst="rect">
+            <a:off x="4724400" y="3894594"/>
+            <a:ext cx="2743200" cy="0"/>
+          </a:xfrm>
+          <a:prstGeom prst="line">
             <a:avLst/>
           </a:prstGeom>
-        </p:spPr>
-      </p:pic>
+          <a:ln w="19050">
+            <a:solidFill>
+              <a:schemeClr val="bg1">
+                <a:alpha val="75000"/>
+              </a:schemeClr>
+            </a:solidFill>
+          </a:ln>
+        </p:spPr>
+        <p:style>
+          <a:lnRef idx="1">
+            <a:schemeClr val="accent1"/>
+          </a:lnRef>
+          <a:fillRef idx="0">
+            <a:schemeClr val="accent1"/>
+          </a:fillRef>
+          <a:effectRef idx="0">
+            <a:schemeClr val="accent1"/>
+          </a:effectRef>
+          <a:fontRef idx="minor">
+            <a:schemeClr val="tx1"/>
+          </a:fontRef>
+        </p:style>
+      </p:cxnSp>
+      <p:cxnSp>
+        <p:nvCxnSpPr>
+          <p:cNvPr id="22" name="Straight Connector 16">
+            <a:extLst>
+              <a:ext uri="{FF2B5EF4-FFF2-40B4-BE49-F238E27FC236}">
+                <a16:creationId xmlns:a16="http://schemas.microsoft.com/office/drawing/2014/main" id="{F5CD5A0B-CDD7-427C-AA42-2EECFDFA1811}"/>
+              </a:ext>
+              <a:ext uri="{C183D7F6-B498-43B3-948B-1728B52AA6E4}">
+                <adec:decorative xmlns:adec="http://schemas.microsoft.com/office/drawing/2017/decorative" val="1"/>
+              </a:ext>
+            </a:extLst>
+          </p:cNvPr>
+          <p:cNvCxnSpPr>
+            <a:cxnSpLocks noGrp="1" noRot="1" noChangeAspect="1" noMove="1" noResize="1" noEditPoints="1" noAdjustHandles="1" noChangeArrowheads="1" noChangeShapeType="1"/>
+          </p:cNvCxnSpPr>
+          <p:nvPr>
+            <p:extLst>
+              <p:ext uri="{386F3935-93C4-4BCD-93E2-E3B085C9AB24}">
+                <p16:designElem xmlns:p16="http://schemas.microsoft.com/office/powerpoint/2015/main" val="1"/>
+              </p:ext>
+            </p:extLst>
+          </p:nvPr>
+        </p:nvCxnSpPr>
+        <p:spPr bwMode="white">
+          <a:xfrm>
+            <a:off x="0" y="6028863"/>
+            <a:ext cx="12188824" cy="0"/>
+          </a:xfrm>
+          <a:prstGeom prst="line">
+            <a:avLst/>
+          </a:prstGeom>
+          <a:ln w="50800">
+            <a:solidFill>
+              <a:schemeClr val="tx1">
+                <a:lumMod val="75000"/>
+                <a:lumOff val="25000"/>
+              </a:schemeClr>
+            </a:solidFill>
+          </a:ln>
+        </p:spPr>
+        <p:style>
+          <a:lnRef idx="1">
+            <a:schemeClr val="accent1"/>
+          </a:lnRef>
+          <a:fillRef idx="0">
+            <a:schemeClr val="accent1"/>
+          </a:fillRef>
+          <a:effectRef idx="0">
+            <a:schemeClr val="accent1"/>
+          </a:effectRef>
+          <a:fontRef idx="minor">
+            <a:schemeClr val="tx1"/>
+          </a:fontRef>
+        </p:style>
+      </p:cxnSp>
     </p:spTree>
     <p:extLst>
       <p:ext uri="{BB962C8B-B14F-4D97-AF65-F5344CB8AC3E}">
-        <p14:creationId xmlns:p14="http://schemas.microsoft.com/office/powerpoint/2010/main" val="107271587"/>
+        <p14:creationId xmlns:p14="http://schemas.microsoft.com/office/powerpoint/2010/main" val="145899175"/>
       </p:ext>
     </p:extLst>
   </p:cSld>
@@ -5441,10 +5916,10 @@
       </p:grpSpPr>
       <p:sp>
         <p:nvSpPr>
-          <p:cNvPr id="39" name="Rectangle 9">
-            <a:extLst>
-              <a:ext uri="{FF2B5EF4-FFF2-40B4-BE49-F238E27FC236}">
-                <a16:creationId xmlns:a16="http://schemas.microsoft.com/office/drawing/2014/main" id="{B1ED02B1-1BC5-458F-9994-627281CFE7C4}"/>
+          <p:cNvPr id="10" name="Rectangle 9">
+            <a:extLst>
+              <a:ext uri="{FF2B5EF4-FFF2-40B4-BE49-F238E27FC236}">
+                <a16:creationId xmlns:a16="http://schemas.microsoft.com/office/drawing/2014/main" id="{6753252F-4873-4F63-801D-CC719279A7D5}"/>
               </a:ext>
               <a:ext uri="{C183D7F6-B498-43B3-948B-1728B52AA6E4}">
                 <adec:decorative xmlns:adec="http://schemas.microsoft.com/office/drawing/2017/decorative" val="1"/>
@@ -5464,14 +5939,14 @@
         </p:nvSpPr>
         <p:spPr>
           <a:xfrm>
-            <a:off x="0" y="4923691"/>
-            <a:ext cx="12192000" cy="1934309"/>
+            <a:off x="0" y="0"/>
+            <a:ext cx="12192000" cy="6858000"/>
           </a:xfrm>
           <a:prstGeom prst="rect">
             <a:avLst/>
           </a:prstGeom>
           <a:solidFill>
-            <a:srgbClr val="6D6257"/>
+            <a:srgbClr val="FFFFFF"/>
           </a:solidFill>
           <a:ln>
             <a:noFill/>
@@ -5504,10 +5979,73 @@
       </p:sp>
       <p:sp>
         <p:nvSpPr>
+          <p:cNvPr id="12" name="Rectangle 11">
+            <a:extLst>
+              <a:ext uri="{FF2B5EF4-FFF2-40B4-BE49-F238E27FC236}">
+                <a16:creationId xmlns:a16="http://schemas.microsoft.com/office/drawing/2014/main" id="{047C8CCB-F95D-4249-92DD-651249D3535A}"/>
+              </a:ext>
+              <a:ext uri="{C183D7F6-B498-43B3-948B-1728B52AA6E4}">
+                <adec:decorative xmlns:adec="http://schemas.microsoft.com/office/drawing/2017/decorative" val="1"/>
+              </a:ext>
+            </a:extLst>
+          </p:cNvPr>
+          <p:cNvSpPr>
+            <a:spLocks noGrp="1" noRot="1" noChangeAspect="1" noMove="1" noResize="1" noEditPoints="1" noAdjustHandles="1" noChangeArrowheads="1" noChangeShapeType="1" noTextEdit="1"/>
+          </p:cNvSpPr>
+          <p:nvPr>
+            <p:extLst>
+              <p:ext uri="{386F3935-93C4-4BCD-93E2-E3B085C9AB24}">
+                <p16:designElem xmlns:p16="http://schemas.microsoft.com/office/powerpoint/2015/main" val="1"/>
+              </p:ext>
+            </p:extLst>
+          </p:nvPr>
+        </p:nvSpPr>
+        <p:spPr>
+          <a:xfrm>
+            <a:off x="0" y="0"/>
+            <a:ext cx="2013557" cy="6858000"/>
+          </a:xfrm>
+          <a:prstGeom prst="rect">
+            <a:avLst/>
+          </a:prstGeom>
+          <a:solidFill>
+            <a:srgbClr val="7E6962"/>
+          </a:solidFill>
+          <a:ln>
+            <a:noFill/>
+          </a:ln>
+        </p:spPr>
+        <p:style>
+          <a:lnRef idx="2">
+            <a:schemeClr val="accent1">
+              <a:shade val="50000"/>
+            </a:schemeClr>
+          </a:lnRef>
+          <a:fillRef idx="1">
+            <a:schemeClr val="accent1"/>
+          </a:fillRef>
+          <a:effectRef idx="0">
+            <a:schemeClr val="accent1"/>
+          </a:effectRef>
+          <a:fontRef idx="minor">
+            <a:schemeClr val="lt1"/>
+          </a:fontRef>
+        </p:style>
+        <p:txBody>
+          <a:bodyPr rtlCol="0" anchor="ctr"/>
+          <a:lstStyle/>
+          <a:p>
+            <a:pPr algn="ctr"/>
+            <a:endParaRPr lang="en-US"/>
+          </a:p>
+        </p:txBody>
+      </p:sp>
+      <p:sp>
+        <p:nvSpPr>
           <p:cNvPr id="2" name="Title 1">
             <a:extLst>
               <a:ext uri="{FF2B5EF4-FFF2-40B4-BE49-F238E27FC236}">
-                <a16:creationId xmlns:a16="http://schemas.microsoft.com/office/drawing/2014/main" id="{7A52CCE4-AEB2-4E51-9F52-EBBAE68C1FD2}"/>
+                <a16:creationId xmlns:a16="http://schemas.microsoft.com/office/drawing/2014/main" id="{11549EA1-13DC-450F-9F8F-759109CFB61C}"/>
               </a:ext>
             </a:extLst>
           </p:cNvPr>
@@ -5520,18 +6058,18 @@
         </p:nvSpPr>
         <p:spPr>
           <a:xfrm>
-            <a:off x="2231136" y="4388020"/>
-            <a:ext cx="7729728" cy="1188720"/>
-          </a:xfrm>
+            <a:off x="640080" y="2074363"/>
+            <a:ext cx="2752354" cy="2709275"/>
+          </a:xfrm>
+          <a:prstGeom prst="ellipse">
+            <a:avLst/>
+          </a:prstGeom>
           <a:solidFill>
-            <a:schemeClr val="bg1"/>
+            <a:srgbClr val="262626"/>
           </a:solidFill>
-          <a:ln w="31750">
+          <a:ln w="174625" cmpd="thinThick">
             <a:solidFill>
-              <a:schemeClr val="tx1">
-                <a:lumMod val="75000"/>
-                <a:lumOff val="25000"/>
-              </a:schemeClr>
+              <a:srgbClr val="262626"/>
             </a:solidFill>
           </a:ln>
         </p:spPr>
@@ -5543,19 +6081,19 @@
           <a:p>
             <a:pPr algn="ctr"/>
             <a:r>
-              <a:rPr lang="en-US" sz="3200" b="1" kern="1200">
+              <a:rPr lang="en-US" sz="2600" b="1" kern="1200">
                 <a:solidFill>
-                  <a:schemeClr val="tx1"/>
+                  <a:srgbClr val="FFFFFF"/>
                 </a:solidFill>
                 <a:latin typeface="+mj-lt"/>
                 <a:ea typeface="+mj-ea"/>
                 <a:cs typeface="+mj-cs"/>
               </a:rPr>
-              <a:t>Costs</a:t>
-            </a:r>
-            <a:endParaRPr lang="en-US" sz="3200" kern="1200">
+              <a:t>Backend Testing Logs</a:t>
+            </a:r>
+            <a:endParaRPr lang="en-US" sz="2600" kern="1200">
               <a:solidFill>
-                <a:schemeClr val="tx1"/>
+                <a:srgbClr val="FFFFFF"/>
               </a:solidFill>
               <a:latin typeface="+mj-lt"/>
               <a:ea typeface="+mj-ea"/>
@@ -5566,10 +6104,10 @@
       </p:sp>
       <p:pic>
         <p:nvPicPr>
-          <p:cNvPr id="5" name="Picture 4" descr="A screenshot of a cell phone&#10;&#10;Description automatically generated">
-            <a:extLst>
-              <a:ext uri="{FF2B5EF4-FFF2-40B4-BE49-F238E27FC236}">
-                <a16:creationId xmlns:a16="http://schemas.microsoft.com/office/drawing/2014/main" id="{DDECB161-AC7D-4DA9-AFE8-BEB0EC419E30}"/>
+          <p:cNvPr id="5" name="Picture 4" descr="A screenshot of a social media post&#10;&#10;Description automatically generated">
+            <a:extLst>
+              <a:ext uri="{FF2B5EF4-FFF2-40B4-BE49-F238E27FC236}">
+                <a16:creationId xmlns:a16="http://schemas.microsoft.com/office/drawing/2014/main" id="{B1B338CA-A99A-4C30-9360-1B6F22E09E36}"/>
               </a:ext>
             </a:extLst>
           </p:cNvPr>
@@ -5592,8 +6130,8 @@
         </p:blipFill>
         <p:spPr>
           <a:xfrm>
-            <a:off x="1417219" y="1916629"/>
-            <a:ext cx="9757247" cy="1512371"/>
+            <a:off x="3506145" y="952883"/>
+            <a:ext cx="8170040" cy="5106274"/>
           </a:xfrm>
           <a:prstGeom prst="rect">
             <a:avLst/>
@@ -5603,7 +6141,7 @@
     </p:spTree>
     <p:extLst>
       <p:ext uri="{BB962C8B-B14F-4D97-AF65-F5344CB8AC3E}">
-        <p14:creationId xmlns:p14="http://schemas.microsoft.com/office/powerpoint/2010/main" val="3370059605"/>
+        <p14:creationId xmlns:p14="http://schemas.microsoft.com/office/powerpoint/2010/main" val="2691239962"/>
       </p:ext>
     </p:extLst>
   </p:cSld>
@@ -5616,6 +6154,14 @@
 <file path=ppt/slides/slide18.xml><?xml version="1.0" encoding="utf-8"?>
 <p:sld xmlns:a="http://schemas.openxmlformats.org/drawingml/2006/main" xmlns:r="http://schemas.openxmlformats.org/officeDocument/2006/relationships" xmlns:p="http://schemas.openxmlformats.org/presentationml/2006/main">
   <p:cSld>
+    <p:bg>
+      <p:bgPr>
+        <a:solidFill>
+          <a:schemeClr val="bg1"/>
+        </a:solidFill>
+        <a:effectLst/>
+      </p:bgPr>
+    </p:bg>
     <p:spTree>
       <p:nvGrpSpPr>
         <p:cNvPr id="1" name=""/>
@@ -5632,10 +6178,136 @@
       </p:grpSpPr>
       <p:sp>
         <p:nvSpPr>
+          <p:cNvPr id="10" name="Rectangle 9">
+            <a:extLst>
+              <a:ext uri="{FF2B5EF4-FFF2-40B4-BE49-F238E27FC236}">
+                <a16:creationId xmlns:a16="http://schemas.microsoft.com/office/drawing/2014/main" id="{6753252F-4873-4F63-801D-CC719279A7D5}"/>
+              </a:ext>
+              <a:ext uri="{C183D7F6-B498-43B3-948B-1728B52AA6E4}">
+                <adec:decorative xmlns:adec="http://schemas.microsoft.com/office/drawing/2017/decorative" val="1"/>
+              </a:ext>
+            </a:extLst>
+          </p:cNvPr>
+          <p:cNvSpPr>
+            <a:spLocks noGrp="1" noRot="1" noChangeAspect="1" noMove="1" noResize="1" noEditPoints="1" noAdjustHandles="1" noChangeArrowheads="1" noChangeShapeType="1" noTextEdit="1"/>
+          </p:cNvSpPr>
+          <p:nvPr>
+            <p:extLst>
+              <p:ext uri="{386F3935-93C4-4BCD-93E2-E3B085C9AB24}">
+                <p16:designElem xmlns:p16="http://schemas.microsoft.com/office/powerpoint/2015/main" val="1"/>
+              </p:ext>
+            </p:extLst>
+          </p:nvPr>
+        </p:nvSpPr>
+        <p:spPr>
+          <a:xfrm>
+            <a:off x="0" y="0"/>
+            <a:ext cx="12192000" cy="6858000"/>
+          </a:xfrm>
+          <a:prstGeom prst="rect">
+            <a:avLst/>
+          </a:prstGeom>
+          <a:solidFill>
+            <a:srgbClr val="FFFFFF"/>
+          </a:solidFill>
+          <a:ln>
+            <a:noFill/>
+          </a:ln>
+        </p:spPr>
+        <p:style>
+          <a:lnRef idx="2">
+            <a:schemeClr val="accent1">
+              <a:shade val="50000"/>
+            </a:schemeClr>
+          </a:lnRef>
+          <a:fillRef idx="1">
+            <a:schemeClr val="accent1"/>
+          </a:fillRef>
+          <a:effectRef idx="0">
+            <a:schemeClr val="accent1"/>
+          </a:effectRef>
+          <a:fontRef idx="minor">
+            <a:schemeClr val="lt1"/>
+          </a:fontRef>
+        </p:style>
+        <p:txBody>
+          <a:bodyPr rtlCol="0" anchor="ctr"/>
+          <a:lstStyle/>
+          <a:p>
+            <a:pPr algn="ctr"/>
+            <a:endParaRPr lang="en-US"/>
+          </a:p>
+        </p:txBody>
+      </p:sp>
+      <p:sp>
+        <p:nvSpPr>
+          <p:cNvPr id="12" name="Rectangle 11">
+            <a:extLst>
+              <a:ext uri="{FF2B5EF4-FFF2-40B4-BE49-F238E27FC236}">
+                <a16:creationId xmlns:a16="http://schemas.microsoft.com/office/drawing/2014/main" id="{047C8CCB-F95D-4249-92DD-651249D3535A}"/>
+              </a:ext>
+              <a:ext uri="{C183D7F6-B498-43B3-948B-1728B52AA6E4}">
+                <adec:decorative xmlns:adec="http://schemas.microsoft.com/office/drawing/2017/decorative" val="1"/>
+              </a:ext>
+            </a:extLst>
+          </p:cNvPr>
+          <p:cNvSpPr>
+            <a:spLocks noGrp="1" noRot="1" noChangeAspect="1" noMove="1" noResize="1" noEditPoints="1" noAdjustHandles="1" noChangeArrowheads="1" noChangeShapeType="1" noTextEdit="1"/>
+          </p:cNvSpPr>
+          <p:nvPr>
+            <p:extLst>
+              <p:ext uri="{386F3935-93C4-4BCD-93E2-E3B085C9AB24}">
+                <p16:designElem xmlns:p16="http://schemas.microsoft.com/office/powerpoint/2015/main" val="1"/>
+              </p:ext>
+            </p:extLst>
+          </p:nvPr>
+        </p:nvSpPr>
+        <p:spPr>
+          <a:xfrm>
+            <a:off x="0" y="0"/>
+            <a:ext cx="2013557" cy="6858000"/>
+          </a:xfrm>
+          <a:prstGeom prst="rect">
+            <a:avLst/>
+          </a:prstGeom>
+          <a:solidFill>
+            <a:srgbClr val="7E6962"/>
+          </a:solidFill>
+          <a:ln>
+            <a:noFill/>
+          </a:ln>
+        </p:spPr>
+        <p:style>
+          <a:lnRef idx="2">
+            <a:schemeClr val="accent1">
+              <a:shade val="50000"/>
+            </a:schemeClr>
+          </a:lnRef>
+          <a:fillRef idx="1">
+            <a:schemeClr val="accent1"/>
+          </a:fillRef>
+          <a:effectRef idx="0">
+            <a:schemeClr val="accent1"/>
+          </a:effectRef>
+          <a:fontRef idx="minor">
+            <a:schemeClr val="lt1"/>
+          </a:fontRef>
+        </p:style>
+        <p:txBody>
+          <a:bodyPr rtlCol="0" anchor="ctr"/>
+          <a:lstStyle/>
+          <a:p>
+            <a:pPr algn="ctr"/>
+            <a:endParaRPr lang="en-US"/>
+          </a:p>
+        </p:txBody>
+      </p:sp>
+      <p:sp>
+        <p:nvSpPr>
           <p:cNvPr id="2" name="Title 1">
             <a:extLst>
               <a:ext uri="{FF2B5EF4-FFF2-40B4-BE49-F238E27FC236}">
-                <a16:creationId xmlns:a16="http://schemas.microsoft.com/office/drawing/2014/main" id="{6B8D2904-A275-4E8E-B440-9994A385E60F}"/>
+                <a16:creationId xmlns:a16="http://schemas.microsoft.com/office/drawing/2014/main" id="{11549EA1-13DC-450F-9F8F-759109CFB61C}"/>
               </a:ext>
             </a:extLst>
           </p:cNvPr>
@@ -5646,133 +6318,92 @@
             <p:ph type="title"/>
           </p:nvPr>
         </p:nvSpPr>
-        <p:spPr/>
-        <p:txBody>
-          <a:bodyPr/>
-          <a:lstStyle/>
-          <a:p>
-            <a:r>
-              <a:rPr lang="en-GB" b="1" dirty="0"/>
-              <a:t>Retrospective</a:t>
-            </a:r>
-            <a:endParaRPr lang="en-GB" dirty="0"/>
-          </a:p>
-        </p:txBody>
-      </p:sp>
-      <p:sp>
-        <p:nvSpPr>
-          <p:cNvPr id="3" name="Content Placeholder 2">
-            <a:extLst>
-              <a:ext uri="{FF2B5EF4-FFF2-40B4-BE49-F238E27FC236}">
-                <a16:creationId xmlns:a16="http://schemas.microsoft.com/office/drawing/2014/main" id="{63628995-0118-4B49-AACF-8C61F826899B}"/>
-              </a:ext>
-            </a:extLst>
-          </p:cNvPr>
-          <p:cNvSpPr>
-            <a:spLocks noGrp="1"/>
-          </p:cNvSpPr>
-          <p:nvPr>
-            <p:ph idx="1"/>
-          </p:nvPr>
-        </p:nvSpPr>
         <p:spPr>
           <a:xfrm>
-            <a:off x="597039" y="1825625"/>
-            <a:ext cx="10515600" cy="4351338"/>
-          </a:xfrm>
-        </p:spPr>
-        <p:txBody>
-          <a:bodyPr>
-            <a:normAutofit fontScale="62500" lnSpcReduction="20000"/>
+            <a:off x="640080" y="2074363"/>
+            <a:ext cx="2752354" cy="2709275"/>
+          </a:xfrm>
+          <a:prstGeom prst="ellipse">
+            <a:avLst/>
+          </a:prstGeom>
+          <a:solidFill>
+            <a:srgbClr val="262626"/>
+          </a:solidFill>
+          <a:ln w="174625" cmpd="thinThick">
+            <a:solidFill>
+              <a:srgbClr val="262626"/>
+            </a:solidFill>
+          </a:ln>
+        </p:spPr>
+        <p:txBody>
+          <a:bodyPr vert="horz" lIns="91440" tIns="45720" rIns="91440" bIns="45720" rtlCol="0" anchor="ctr">
+            <a:normAutofit/>
           </a:bodyPr>
           <a:lstStyle/>
           <a:p>
-            <a:pPr marL="0" indent="0">
-              <a:buNone/>
-            </a:pPr>
-            <a:r>
-              <a:rPr lang="en-GB" b="1" dirty="0"/>
-              <a:t>What went well</a:t>
-            </a:r>
-          </a:p>
-          <a:p>
-            <a:r>
-              <a:rPr lang="en-GB" dirty="0"/>
-              <a:t>Using terraform to create the infrastructure went swiftly without many issues.</a:t>
-            </a:r>
-          </a:p>
-          <a:p>
-            <a:r>
-              <a:rPr lang="en-GB" dirty="0"/>
-              <a:t>Team meetings were helpful and orientating.</a:t>
-            </a:r>
-          </a:p>
-          <a:p>
-            <a:r>
-              <a:rPr lang="en-GB" dirty="0"/>
-              <a:t>Good team communication throughout the duration of the project.</a:t>
-            </a:r>
-          </a:p>
-          <a:p>
-            <a:r>
-              <a:rPr lang="en-GB" dirty="0"/>
-              <a:t>Created the Ansible and Jenkins files without much difficulty.</a:t>
-            </a:r>
-          </a:p>
-          <a:p>
-            <a:r>
-              <a:rPr lang="en-GB" dirty="0"/>
-              <a:t>Delivered a cost efficient solution.</a:t>
-            </a:r>
-          </a:p>
-          <a:p>
-            <a:pPr marL="0" indent="0">
-              <a:buNone/>
-            </a:pPr>
-            <a:endParaRPr lang="en-GB" dirty="0"/>
-          </a:p>
-          <a:p>
-            <a:pPr marL="0" indent="0">
-              <a:buNone/>
-            </a:pPr>
-            <a:r>
-              <a:rPr lang="en-GB" b="1" dirty="0"/>
-              <a:t>What went wrong</a:t>
-            </a:r>
-          </a:p>
-          <a:p>
-            <a:r>
-              <a:rPr lang="en-GB" dirty="0"/>
-              <a:t>Running the frontend application came with some issues that required the help of our trainer.</a:t>
-            </a:r>
-          </a:p>
-          <a:p>
-            <a:r>
-              <a:rPr lang="en-GB" dirty="0"/>
-              <a:t>Creating the pods for the cluster took longer than expected.</a:t>
-            </a:r>
-          </a:p>
-          <a:p>
-            <a:r>
-              <a:rPr lang="en-GB" dirty="0"/>
-              <a:t>Issues when using the AWS free tier service, so had to pay for running the simple Virtual Machines.</a:t>
-            </a:r>
-          </a:p>
-          <a:p>
-            <a:r>
-              <a:rPr lang="en-GB" dirty="0"/>
-              <a:t>The backend and frontend of the application not communicating, wasted a lot of time on trying to fix the issue.</a:t>
-            </a:r>
-          </a:p>
-          <a:p>
-            <a:endParaRPr lang="en-GB" dirty="0"/>
-          </a:p>
-        </p:txBody>
-      </p:sp>
+            <a:pPr algn="ctr"/>
+            <a:r>
+              <a:rPr lang="en-US" sz="2600" b="1" kern="1200" dirty="0">
+                <a:solidFill>
+                  <a:srgbClr val="FFFFFF"/>
+                </a:solidFill>
+                <a:latin typeface="+mj-lt"/>
+                <a:ea typeface="+mj-ea"/>
+                <a:cs typeface="+mj-cs"/>
+              </a:rPr>
+              <a:t>Frontend Testing Logs</a:t>
+            </a:r>
+            <a:endParaRPr lang="en-US" sz="2600" kern="1200" dirty="0">
+              <a:solidFill>
+                <a:srgbClr val="FFFFFF"/>
+              </a:solidFill>
+              <a:latin typeface="+mj-lt"/>
+              <a:ea typeface="+mj-ea"/>
+              <a:cs typeface="+mj-cs"/>
+            </a:endParaRPr>
+          </a:p>
+        </p:txBody>
+      </p:sp>
+      <p:pic>
+        <p:nvPicPr>
+          <p:cNvPr id="4" name="Picture 3" descr="A screenshot of a cell phone&#10;&#10;Description automatically generated">
+            <a:extLst>
+              <a:ext uri="{FF2B5EF4-FFF2-40B4-BE49-F238E27FC236}">
+                <a16:creationId xmlns:a16="http://schemas.microsoft.com/office/drawing/2014/main" id="{71D62E32-CF33-4032-9878-86044CC6E724}"/>
+              </a:ext>
+            </a:extLst>
+          </p:cNvPr>
+          <p:cNvPicPr>
+            <a:picLocks noChangeAspect="1"/>
+          </p:cNvPicPr>
+          <p:nvPr/>
+        </p:nvPicPr>
+        <p:blipFill>
+          <a:blip r:embed="rId2">
+            <a:extLst>
+              <a:ext uri="{28A0092B-C50C-407E-A947-70E740481C1C}">
+                <a14:useLocalDpi xmlns:a14="http://schemas.microsoft.com/office/drawing/2010/main" val="0"/>
+              </a:ext>
+            </a:extLst>
+          </a:blip>
+          <a:stretch>
+            <a:fillRect/>
+          </a:stretch>
+        </p:blipFill>
+        <p:spPr>
+          <a:xfrm>
+            <a:off x="4263627" y="492369"/>
+            <a:ext cx="6508529" cy="6013938"/>
+          </a:xfrm>
+          <a:prstGeom prst="rect">
+            <a:avLst/>
+          </a:prstGeom>
+        </p:spPr>
+      </p:pic>
     </p:spTree>
     <p:extLst>
       <p:ext uri="{BB962C8B-B14F-4D97-AF65-F5344CB8AC3E}">
-        <p14:creationId xmlns:p14="http://schemas.microsoft.com/office/powerpoint/2010/main" val="3153999823"/>
+        <p14:creationId xmlns:p14="http://schemas.microsoft.com/office/powerpoint/2010/main" val="3744331484"/>
       </p:ext>
     </p:extLst>
   </p:cSld>
@@ -5785,6 +6416,14 @@
 <file path=ppt/slides/slide19.xml><?xml version="1.0" encoding="utf-8"?>
 <p:sld xmlns:a="http://schemas.openxmlformats.org/drawingml/2006/main" xmlns:r="http://schemas.openxmlformats.org/officeDocument/2006/relationships" xmlns:p="http://schemas.openxmlformats.org/presentationml/2006/main">
   <p:cSld>
+    <p:bg>
+      <p:bgPr>
+        <a:solidFill>
+          <a:schemeClr val="bg1"/>
+        </a:solidFill>
+        <a:effectLst/>
+      </p:bgPr>
+    </p:bg>
     <p:spTree>
       <p:nvGrpSpPr>
         <p:cNvPr id="1" name=""/>
@@ -5801,10 +6440,73 @@
       </p:grpSpPr>
       <p:sp>
         <p:nvSpPr>
+          <p:cNvPr id="10" name="Rectangle 9">
+            <a:extLst>
+              <a:ext uri="{FF2B5EF4-FFF2-40B4-BE49-F238E27FC236}">
+                <a16:creationId xmlns:a16="http://schemas.microsoft.com/office/drawing/2014/main" id="{A4AC5506-6312-4701-8D3C-40187889A947}"/>
+              </a:ext>
+              <a:ext uri="{C183D7F6-B498-43B3-948B-1728B52AA6E4}">
+                <adec:decorative xmlns:adec="http://schemas.microsoft.com/office/drawing/2017/decorative" val="1"/>
+              </a:ext>
+            </a:extLst>
+          </p:cNvPr>
+          <p:cNvSpPr>
+            <a:spLocks noGrp="1" noRot="1" noChangeAspect="1" noMove="1" noResize="1" noEditPoints="1" noAdjustHandles="1" noChangeArrowheads="1" noChangeShapeType="1" noTextEdit="1"/>
+          </p:cNvSpPr>
+          <p:nvPr>
+            <p:extLst>
+              <p:ext uri="{386F3935-93C4-4BCD-93E2-E3B085C9AB24}">
+                <p16:designElem xmlns:p16="http://schemas.microsoft.com/office/powerpoint/2015/main" val="1"/>
+              </p:ext>
+            </p:extLst>
+          </p:nvPr>
+        </p:nvSpPr>
+        <p:spPr>
+          <a:xfrm>
+            <a:off x="0" y="651752"/>
+            <a:ext cx="12192000" cy="736551"/>
+          </a:xfrm>
+          <a:prstGeom prst="rect">
+            <a:avLst/>
+          </a:prstGeom>
+          <a:solidFill>
+            <a:schemeClr val="tx1"/>
+          </a:solidFill>
+          <a:ln>
+            <a:noFill/>
+          </a:ln>
+        </p:spPr>
+        <p:style>
+          <a:lnRef idx="2">
+            <a:schemeClr val="accent1">
+              <a:shade val="50000"/>
+            </a:schemeClr>
+          </a:lnRef>
+          <a:fillRef idx="1">
+            <a:schemeClr val="accent1"/>
+          </a:fillRef>
+          <a:effectRef idx="0">
+            <a:schemeClr val="accent1"/>
+          </a:effectRef>
+          <a:fontRef idx="minor">
+            <a:schemeClr val="lt1"/>
+          </a:fontRef>
+        </p:style>
+        <p:txBody>
+          <a:bodyPr rtlCol="0" anchor="ctr"/>
+          <a:lstStyle/>
+          <a:p>
+            <a:pPr algn="ctr"/>
+            <a:endParaRPr lang="en-US"/>
+          </a:p>
+        </p:txBody>
+      </p:sp>
+      <p:sp>
+        <p:nvSpPr>
           <p:cNvPr id="2" name="Title 1">
             <a:extLst>
               <a:ext uri="{FF2B5EF4-FFF2-40B4-BE49-F238E27FC236}">
-                <a16:creationId xmlns:a16="http://schemas.microsoft.com/office/drawing/2014/main" id="{9C84EA89-44AC-497D-B887-FF1D600B107D}"/>
+                <a16:creationId xmlns:a16="http://schemas.microsoft.com/office/drawing/2014/main" id="{1A138B4A-56D4-4A59-92DF-CEC7E49F2DBC}"/>
               </a:ext>
             </a:extLst>
           </p:cNvPr>
@@ -5815,90 +6517,67 @@
             <p:ph type="title"/>
           </p:nvPr>
         </p:nvSpPr>
-        <p:spPr/>
-        <p:txBody>
-          <a:bodyPr/>
-          <a:lstStyle/>
-          <a:p>
-            <a:r>
-              <a:rPr lang="en-GB" b="1" dirty="0"/>
-              <a:t>Future improvements</a:t>
-            </a:r>
-            <a:br>
-              <a:rPr lang="en-GB" b="1" dirty="0"/>
-            </a:br>
-            <a:endParaRPr lang="en-GB" dirty="0"/>
-          </a:p>
-        </p:txBody>
-      </p:sp>
-      <p:sp>
-        <p:nvSpPr>
-          <p:cNvPr id="3" name="Content Placeholder 2">
-            <a:extLst>
-              <a:ext uri="{FF2B5EF4-FFF2-40B4-BE49-F238E27FC236}">
-                <a16:creationId xmlns:a16="http://schemas.microsoft.com/office/drawing/2014/main" id="{008A4CAA-38E7-4CA2-96DD-C9EF3704984C}"/>
-              </a:ext>
-            </a:extLst>
-          </p:cNvPr>
-          <p:cNvSpPr>
-            <a:spLocks noGrp="1"/>
-          </p:cNvSpPr>
-          <p:nvPr>
-            <p:ph idx="1"/>
-          </p:nvPr>
-        </p:nvSpPr>
         <p:spPr>
           <a:xfrm>
-            <a:off x="838200" y="1825625"/>
-            <a:ext cx="9722618" cy="2032942"/>
-          </a:xfrm>
-        </p:spPr>
-        <p:txBody>
-          <a:bodyPr>
+            <a:off x="556532" y="643467"/>
+            <a:ext cx="11210925" cy="744836"/>
+          </a:xfrm>
+        </p:spPr>
+        <p:txBody>
+          <a:bodyPr vert="horz" lIns="91440" tIns="45720" rIns="91440" bIns="45720" rtlCol="0" anchor="ctr">
             <a:normAutofit/>
           </a:bodyPr>
           <a:lstStyle/>
           <a:p>
-            <a:r>
-              <a:rPr lang="en-GB" sz="1800" dirty="0"/>
-              <a:t>Add the CloudWatch alert.</a:t>
-            </a:r>
-          </a:p>
-          <a:p>
-            <a:r>
-              <a:rPr lang="en-GB" sz="1800" dirty="0"/>
-              <a:t>Implement the Lambda function to take daily snapshots.</a:t>
-            </a:r>
-          </a:p>
-          <a:p>
-            <a:r>
-              <a:rPr lang="en-GB" sz="1800" dirty="0" err="1"/>
-              <a:t>XRay</a:t>
-            </a:r>
-            <a:r>
-              <a:rPr lang="en-GB" sz="1800" dirty="0"/>
-              <a:t> to be implemented on the spring application so we can monitor the API level request.</a:t>
-            </a:r>
-          </a:p>
-          <a:p>
-            <a:r>
-              <a:rPr lang="en-GB" sz="1800" dirty="0" err="1"/>
-              <a:t>CodePipeline</a:t>
-            </a:r>
-            <a:r>
-              <a:rPr lang="en-GB" sz="1800" dirty="0"/>
-              <a:t> as a serverless solution and replace Jenkins.</a:t>
-            </a:r>
-          </a:p>
-          <a:p>
-            <a:endParaRPr lang="en-GB" sz="1800" dirty="0"/>
-          </a:p>
-        </p:txBody>
-      </p:sp>
+            <a:pPr algn="ctr"/>
+            <a:r>
+              <a:rPr lang="en-US" sz="3200" b="1" kern="1200" dirty="0">
+                <a:solidFill>
+                  <a:schemeClr val="bg1"/>
+                </a:solidFill>
+                <a:latin typeface="+mj-lt"/>
+                <a:ea typeface="+mj-ea"/>
+                <a:cs typeface="+mj-cs"/>
+              </a:rPr>
+              <a:t>Deployment</a:t>
+            </a:r>
+          </a:p>
+        </p:txBody>
+      </p:sp>
+      <p:pic>
+        <p:nvPicPr>
+          <p:cNvPr id="5" name="Picture 4">
+            <a:extLst>
+              <a:ext uri="{FF2B5EF4-FFF2-40B4-BE49-F238E27FC236}">
+                <a16:creationId xmlns:a16="http://schemas.microsoft.com/office/drawing/2014/main" id="{CC78BD3F-D24E-4FFE-AD9D-A778FF1A6824}"/>
+              </a:ext>
+            </a:extLst>
+          </p:cNvPr>
+          <p:cNvPicPr>
+            <a:picLocks noChangeAspect="1"/>
+          </p:cNvPicPr>
+          <p:nvPr/>
+        </p:nvPicPr>
+        <p:blipFill>
+          <a:blip r:embed="rId2"/>
+          <a:stretch>
+            <a:fillRect/>
+          </a:stretch>
+        </p:blipFill>
+        <p:spPr>
+          <a:xfrm>
+            <a:off x="2069960" y="1675227"/>
+            <a:ext cx="6975167" cy="5196499"/>
+          </a:xfrm>
+          <a:prstGeom prst="rect">
+            <a:avLst/>
+          </a:prstGeom>
+        </p:spPr>
+      </p:pic>
     </p:spTree>
     <p:extLst>
       <p:ext uri="{BB962C8B-B14F-4D97-AF65-F5344CB8AC3E}">
-        <p14:creationId xmlns:p14="http://schemas.microsoft.com/office/powerpoint/2010/main" val="1483657706"/>
+        <p14:creationId xmlns:p14="http://schemas.microsoft.com/office/powerpoint/2010/main" val="1773354454"/>
       </p:ext>
     </p:extLst>
   </p:cSld>
@@ -6091,10 +6770,10 @@
       </p:grpSpPr>
       <p:sp>
         <p:nvSpPr>
-          <p:cNvPr id="10" name="Rectangle 9">
-            <a:extLst>
-              <a:ext uri="{FF2B5EF4-FFF2-40B4-BE49-F238E27FC236}">
-                <a16:creationId xmlns:a16="http://schemas.microsoft.com/office/drawing/2014/main" id="{6753252F-4873-4F63-801D-CC719279A7D5}"/>
+          <p:cNvPr id="15" name="Rectangle 10">
+            <a:extLst>
+              <a:ext uri="{FF2B5EF4-FFF2-40B4-BE49-F238E27FC236}">
+                <a16:creationId xmlns:a16="http://schemas.microsoft.com/office/drawing/2014/main" id="{A4AC5506-6312-4701-8D3C-40187889A947}"/>
               </a:ext>
               <a:ext uri="{C183D7F6-B498-43B3-948B-1728B52AA6E4}">
                 <adec:decorative xmlns:adec="http://schemas.microsoft.com/office/drawing/2017/decorative" val="1"/>
@@ -6114,14 +6793,14 @@
         </p:nvSpPr>
         <p:spPr>
           <a:xfrm>
-            <a:off x="0" y="0"/>
-            <a:ext cx="12192000" cy="6858000"/>
+            <a:off x="0" y="651752"/>
+            <a:ext cx="12192000" cy="736551"/>
           </a:xfrm>
           <a:prstGeom prst="rect">
             <a:avLst/>
           </a:prstGeom>
           <a:solidFill>
-            <a:srgbClr val="FFFFFF"/>
+            <a:schemeClr val="tx1"/>
           </a:solidFill>
           <a:ln>
             <a:noFill/>
@@ -6154,10 +6833,135 @@
       </p:sp>
       <p:sp>
         <p:nvSpPr>
-          <p:cNvPr id="14" name="Rectangle 11">
-            <a:extLst>
-              <a:ext uri="{FF2B5EF4-FFF2-40B4-BE49-F238E27FC236}">
-                <a16:creationId xmlns:a16="http://schemas.microsoft.com/office/drawing/2014/main" id="{047C8CCB-F95D-4249-92DD-651249D3535A}"/>
+          <p:cNvPr id="2" name="Title 1">
+            <a:extLst>
+              <a:ext uri="{FF2B5EF4-FFF2-40B4-BE49-F238E27FC236}">
+                <a16:creationId xmlns:a16="http://schemas.microsoft.com/office/drawing/2014/main" id="{D6710789-8FA1-4EFE-B730-28782B3D21A0}"/>
+              </a:ext>
+            </a:extLst>
+          </p:cNvPr>
+          <p:cNvSpPr>
+            <a:spLocks noGrp="1"/>
+          </p:cNvSpPr>
+          <p:nvPr>
+            <p:ph type="title"/>
+          </p:nvPr>
+        </p:nvSpPr>
+        <p:spPr>
+          <a:xfrm>
+            <a:off x="556532" y="643467"/>
+            <a:ext cx="11210925" cy="744836"/>
+          </a:xfrm>
+        </p:spPr>
+        <p:txBody>
+          <a:bodyPr vert="horz" lIns="91440" tIns="45720" rIns="91440" bIns="45720" rtlCol="0" anchor="ctr">
+            <a:normAutofit/>
+          </a:bodyPr>
+          <a:lstStyle/>
+          <a:p>
+            <a:pPr algn="ctr"/>
+            <a:r>
+              <a:rPr lang="en-US" sz="3200" b="1" kern="1200">
+                <a:solidFill>
+                  <a:schemeClr val="bg1"/>
+                </a:solidFill>
+                <a:latin typeface="+mj-lt"/>
+                <a:ea typeface="+mj-ea"/>
+                <a:cs typeface="+mj-cs"/>
+              </a:rPr>
+              <a:t>Deployment Pipeline</a:t>
+            </a:r>
+            <a:endParaRPr lang="en-US" sz="3200" kern="1200">
+              <a:solidFill>
+                <a:schemeClr val="bg1"/>
+              </a:solidFill>
+              <a:latin typeface="+mj-lt"/>
+              <a:ea typeface="+mj-ea"/>
+              <a:cs typeface="+mj-cs"/>
+            </a:endParaRPr>
+          </a:p>
+        </p:txBody>
+      </p:sp>
+      <p:pic>
+        <p:nvPicPr>
+          <p:cNvPr id="6" name="Picture 5" descr="A picture containing screenshot&#10;&#10;Description automatically generated">
+            <a:extLst>
+              <a:ext uri="{FF2B5EF4-FFF2-40B4-BE49-F238E27FC236}">
+                <a16:creationId xmlns:a16="http://schemas.microsoft.com/office/drawing/2014/main" id="{77C2BB3D-07C6-4725-93F4-66E4E13680E7}"/>
+              </a:ext>
+            </a:extLst>
+          </p:cNvPr>
+          <p:cNvPicPr>
+            <a:picLocks noChangeAspect="1"/>
+          </p:cNvPicPr>
+          <p:nvPr/>
+        </p:nvPicPr>
+        <p:blipFill>
+          <a:blip r:embed="rId2">
+            <a:extLst>
+              <a:ext uri="{28A0092B-C50C-407E-A947-70E740481C1C}">
+                <a14:useLocalDpi xmlns:a14="http://schemas.microsoft.com/office/drawing/2010/main" val="0"/>
+              </a:ext>
+            </a:extLst>
+          </a:blip>
+          <a:stretch>
+            <a:fillRect/>
+          </a:stretch>
+        </p:blipFill>
+        <p:spPr>
+          <a:xfrm>
+            <a:off x="2702795" y="1675227"/>
+            <a:ext cx="6786409" cy="4394199"/>
+          </a:xfrm>
+          <a:prstGeom prst="rect">
+            <a:avLst/>
+          </a:prstGeom>
+        </p:spPr>
+      </p:pic>
+    </p:spTree>
+    <p:extLst>
+      <p:ext uri="{BB962C8B-B14F-4D97-AF65-F5344CB8AC3E}">
+        <p14:creationId xmlns:p14="http://schemas.microsoft.com/office/powerpoint/2010/main" val="107271587"/>
+      </p:ext>
+    </p:extLst>
+  </p:cSld>
+  <p:clrMapOvr>
+    <a:masterClrMapping/>
+  </p:clrMapOvr>
+</p:sld>
+</file>
+
+<file path=ppt/slides/slide21.xml><?xml version="1.0" encoding="utf-8"?>
+<p:sld xmlns:a="http://schemas.openxmlformats.org/drawingml/2006/main" xmlns:r="http://schemas.openxmlformats.org/officeDocument/2006/relationships" xmlns:p="http://schemas.openxmlformats.org/presentationml/2006/main">
+  <p:cSld>
+    <p:bg>
+      <p:bgPr>
+        <a:solidFill>
+          <a:schemeClr val="bg1"/>
+        </a:solidFill>
+        <a:effectLst/>
+      </p:bgPr>
+    </p:bg>
+    <p:spTree>
+      <p:nvGrpSpPr>
+        <p:cNvPr id="1" name=""/>
+        <p:cNvGrpSpPr/>
+        <p:nvPr/>
+      </p:nvGrpSpPr>
+      <p:grpSpPr>
+        <a:xfrm>
+          <a:off x="0" y="0"/>
+          <a:ext cx="0" cy="0"/>
+          <a:chOff x="0" y="0"/>
+          <a:chExt cx="0" cy="0"/>
+        </a:xfrm>
+      </p:grpSpPr>
+      <p:sp>
+        <p:nvSpPr>
+          <p:cNvPr id="39" name="Rectangle 9">
+            <a:extLst>
+              <a:ext uri="{FF2B5EF4-FFF2-40B4-BE49-F238E27FC236}">
+                <a16:creationId xmlns:a16="http://schemas.microsoft.com/office/drawing/2014/main" id="{B1ED02B1-1BC5-458F-9994-627281CFE7C4}"/>
               </a:ext>
               <a:ext uri="{C183D7F6-B498-43B3-948B-1728B52AA6E4}">
                 <adec:decorative xmlns:adec="http://schemas.microsoft.com/office/drawing/2017/decorative" val="1"/>
@@ -6177,14 +6981,14 @@
         </p:nvSpPr>
         <p:spPr>
           <a:xfrm>
-            <a:off x="0" y="0"/>
-            <a:ext cx="2013557" cy="6858000"/>
+            <a:off x="0" y="4923691"/>
+            <a:ext cx="12192000" cy="1934309"/>
           </a:xfrm>
           <a:prstGeom prst="rect">
             <a:avLst/>
           </a:prstGeom>
           <a:solidFill>
-            <a:srgbClr val="5C3A55"/>
+            <a:srgbClr val="6D6257"/>
           </a:solidFill>
           <a:ln>
             <a:noFill/>
@@ -6220,7 +7024,7 @@
           <p:cNvPr id="2" name="Title 1">
             <a:extLst>
               <a:ext uri="{FF2B5EF4-FFF2-40B4-BE49-F238E27FC236}">
-                <a16:creationId xmlns:a16="http://schemas.microsoft.com/office/drawing/2014/main" id="{2944609F-A2E0-41EA-8B25-E23B6449391E}"/>
+                <a16:creationId xmlns:a16="http://schemas.microsoft.com/office/drawing/2014/main" id="{7A52CCE4-AEB2-4E51-9F52-EBBAE68C1FD2}"/>
               </a:ext>
             </a:extLst>
           </p:cNvPr>
@@ -6233,18 +7037,18 @@
         </p:nvSpPr>
         <p:spPr>
           <a:xfrm>
-            <a:off x="640080" y="2074363"/>
-            <a:ext cx="2752354" cy="2709275"/>
-          </a:xfrm>
-          <a:prstGeom prst="ellipse">
-            <a:avLst/>
-          </a:prstGeom>
+            <a:off x="2231136" y="4388020"/>
+            <a:ext cx="7729728" cy="1188720"/>
+          </a:xfrm>
           <a:solidFill>
-            <a:srgbClr val="262626"/>
+            <a:schemeClr val="bg1"/>
           </a:solidFill>
-          <a:ln w="174625" cmpd="thinThick">
+          <a:ln w="31750">
             <a:solidFill>
-              <a:srgbClr val="262626"/>
+              <a:schemeClr val="tx1">
+                <a:lumMod val="75000"/>
+                <a:lumOff val="25000"/>
+              </a:schemeClr>
             </a:solidFill>
           </a:ln>
         </p:spPr>
@@ -6256,19 +7060,19 @@
           <a:p>
             <a:pPr algn="ctr"/>
             <a:r>
-              <a:rPr lang="en-US" sz="2600" b="1" kern="1200">
+              <a:rPr lang="en-US" sz="3200" b="1" kern="1200">
                 <a:solidFill>
-                  <a:srgbClr val="FFFFFF"/>
+                  <a:schemeClr val="tx1"/>
                 </a:solidFill>
                 <a:latin typeface="+mj-lt"/>
                 <a:ea typeface="+mj-ea"/>
                 <a:cs typeface="+mj-cs"/>
               </a:rPr>
-              <a:t>Installation Guide</a:t>
-            </a:r>
-            <a:endParaRPr lang="en-US" sz="2600" kern="1200">
+              <a:t>Costs</a:t>
+            </a:r>
+            <a:endParaRPr lang="en-US" sz="3200" kern="1200">
               <a:solidFill>
-                <a:srgbClr val="FFFFFF"/>
+                <a:schemeClr val="tx1"/>
               </a:solidFill>
               <a:latin typeface="+mj-lt"/>
               <a:ea typeface="+mj-ea"/>
@@ -6279,10 +7083,10 @@
       </p:sp>
       <p:pic>
         <p:nvPicPr>
-          <p:cNvPr id="5" name="Picture 4" descr="A screenshot of a social media post&#10;&#10;Description automatically generated">
-            <a:extLst>
-              <a:ext uri="{FF2B5EF4-FFF2-40B4-BE49-F238E27FC236}">
-                <a16:creationId xmlns:a16="http://schemas.microsoft.com/office/drawing/2014/main" id="{1C40AB50-7A83-42C5-81E3-2ED840FECCF9}"/>
+          <p:cNvPr id="5" name="Picture 4" descr="A screenshot of a cell phone&#10;&#10;Description automatically generated">
+            <a:extLst>
+              <a:ext uri="{FF2B5EF4-FFF2-40B4-BE49-F238E27FC236}">
+                <a16:creationId xmlns:a16="http://schemas.microsoft.com/office/drawing/2014/main" id="{DDECB161-AC7D-4DA9-AFE8-BEB0EC419E30}"/>
               </a:ext>
             </a:extLst>
           </p:cNvPr>
@@ -6305,8 +7109,8 @@
         </p:blipFill>
         <p:spPr>
           <a:xfrm>
-            <a:off x="3520549" y="1165609"/>
-            <a:ext cx="8580458" cy="4547642"/>
+            <a:off x="1417219" y="1916629"/>
+            <a:ext cx="9757247" cy="1512371"/>
           </a:xfrm>
           <a:prstGeom prst="rect">
             <a:avLst/>
@@ -6316,135 +7120,7 @@
     </p:spTree>
     <p:extLst>
       <p:ext uri="{BB962C8B-B14F-4D97-AF65-F5344CB8AC3E}">
-        <p14:creationId xmlns:p14="http://schemas.microsoft.com/office/powerpoint/2010/main" val="2206912663"/>
-      </p:ext>
-    </p:extLst>
-  </p:cSld>
-  <p:clrMapOvr>
-    <a:masterClrMapping/>
-  </p:clrMapOvr>
-</p:sld>
-</file>
-
-<file path=ppt/slides/slide21.xml><?xml version="1.0" encoding="utf-8"?>
-<p:sld xmlns:a="http://schemas.openxmlformats.org/drawingml/2006/main" xmlns:r="http://schemas.openxmlformats.org/officeDocument/2006/relationships" xmlns:p="http://schemas.openxmlformats.org/presentationml/2006/main">
-  <p:cSld>
-    <p:spTree>
-      <p:nvGrpSpPr>
-        <p:cNvPr id="1" name=""/>
-        <p:cNvGrpSpPr/>
-        <p:nvPr/>
-      </p:nvGrpSpPr>
-      <p:grpSpPr>
-        <a:xfrm>
-          <a:off x="0" y="0"/>
-          <a:ext cx="0" cy="0"/>
-          <a:chOff x="0" y="0"/>
-          <a:chExt cx="0" cy="0"/>
-        </a:xfrm>
-      </p:grpSpPr>
-      <p:sp>
-        <p:nvSpPr>
-          <p:cNvPr id="2" name="Title 1">
-            <a:extLst>
-              <a:ext uri="{FF2B5EF4-FFF2-40B4-BE49-F238E27FC236}">
-                <a16:creationId xmlns:a16="http://schemas.microsoft.com/office/drawing/2014/main" id="{9EE7F352-BD65-469C-8101-9BA9EE8EA822}"/>
-              </a:ext>
-            </a:extLst>
-          </p:cNvPr>
-          <p:cNvSpPr>
-            <a:spLocks noGrp="1"/>
-          </p:cNvSpPr>
-          <p:nvPr>
-            <p:ph type="title"/>
-          </p:nvPr>
-        </p:nvSpPr>
-        <p:spPr/>
-        <p:txBody>
-          <a:bodyPr/>
-          <a:lstStyle/>
-          <a:p>
-            <a:r>
-              <a:rPr lang="en-GB" dirty="0"/>
-              <a:t>Authors</a:t>
-            </a:r>
-          </a:p>
-        </p:txBody>
-      </p:sp>
-      <p:sp>
-        <p:nvSpPr>
-          <p:cNvPr id="3" name="Content Placeholder 2">
-            <a:extLst>
-              <a:ext uri="{FF2B5EF4-FFF2-40B4-BE49-F238E27FC236}">
-                <a16:creationId xmlns:a16="http://schemas.microsoft.com/office/drawing/2014/main" id="{17A4CEDA-5B44-4E92-9E01-82BE51DF2FB1}"/>
-              </a:ext>
-            </a:extLst>
-          </p:cNvPr>
-          <p:cNvSpPr>
-            <a:spLocks noGrp="1"/>
-          </p:cNvSpPr>
-          <p:nvPr>
-            <p:ph idx="1"/>
-          </p:nvPr>
-        </p:nvSpPr>
-        <p:spPr/>
-        <p:txBody>
-          <a:bodyPr/>
-          <a:lstStyle/>
-          <a:p>
-            <a:r>
-              <a:rPr lang="en-GB" sz="1800" u="sng" dirty="0">
-                <a:hlinkClick r:id="rId2"/>
-              </a:rPr>
-              <a:t>Nicolas Abadi</a:t>
-            </a:r>
-            <a:endParaRPr lang="en-GB" sz="1800" dirty="0"/>
-          </a:p>
-          <a:p>
-            <a:r>
-              <a:rPr lang="en-GB" sz="1800" dirty="0">
-                <a:hlinkClick r:id="rId3"/>
-              </a:rPr>
-              <a:t>Adelina Bronda</a:t>
-            </a:r>
-            <a:endParaRPr lang="en-GB" sz="1800" dirty="0"/>
-          </a:p>
-          <a:p>
-            <a:r>
-              <a:rPr lang="en-GB" sz="1800" dirty="0">
-                <a:hlinkClick r:id="rId4"/>
-              </a:rPr>
-              <a:t>Shana Charlery</a:t>
-            </a:r>
-            <a:endParaRPr lang="en-GB" sz="1800" dirty="0"/>
-          </a:p>
-          <a:p>
-            <a:r>
-              <a:rPr lang="en-GB" sz="1800" dirty="0">
-                <a:hlinkClick r:id="rId5"/>
-              </a:rPr>
-              <a:t>Finn Macrae</a:t>
-            </a:r>
-            <a:endParaRPr lang="en-GB" sz="1800" dirty="0"/>
-          </a:p>
-          <a:p>
-            <a:r>
-              <a:rPr lang="en-GB" sz="1800" dirty="0">
-                <a:hlinkClick r:id="rId6"/>
-              </a:rPr>
-              <a:t>Hifza Zaheer</a:t>
-            </a:r>
-            <a:endParaRPr lang="en-GB" sz="1800" dirty="0"/>
-          </a:p>
-          <a:p>
-            <a:endParaRPr lang="en-GB" dirty="0"/>
-          </a:p>
-        </p:txBody>
-      </p:sp>
-    </p:spTree>
-    <p:extLst>
-      <p:ext uri="{BB962C8B-B14F-4D97-AF65-F5344CB8AC3E}">
-        <p14:creationId xmlns:p14="http://schemas.microsoft.com/office/powerpoint/2010/main" val="3107755286"/>
+        <p14:creationId xmlns:p14="http://schemas.microsoft.com/office/powerpoint/2010/main" val="3370059605"/>
       </p:ext>
     </p:extLst>
   </p:cSld>
@@ -6476,7 +7152,7 @@
           <p:cNvPr id="2" name="Title 1">
             <a:extLst>
               <a:ext uri="{FF2B5EF4-FFF2-40B4-BE49-F238E27FC236}">
-                <a16:creationId xmlns:a16="http://schemas.microsoft.com/office/drawing/2014/main" id="{C5F23FC3-6BC7-4669-977D-202B26BDE0CC}"/>
+                <a16:creationId xmlns:a16="http://schemas.microsoft.com/office/drawing/2014/main" id="{6B8D2904-A275-4E8E-B440-9994A385E60F}"/>
               </a:ext>
             </a:extLst>
           </p:cNvPr>
@@ -6494,7 +7170,7 @@
           <a:p>
             <a:r>
               <a:rPr lang="en-GB" b="1" dirty="0"/>
-              <a:t>Acknowledgements</a:t>
+              <a:t>Retrospective</a:t>
             </a:r>
             <a:endParaRPr lang="en-GB" dirty="0"/>
           </a:p>
@@ -6505,7 +7181,7 @@
           <p:cNvPr id="3" name="Content Placeholder 2">
             <a:extLst>
               <a:ext uri="{FF2B5EF4-FFF2-40B4-BE49-F238E27FC236}">
-                <a16:creationId xmlns:a16="http://schemas.microsoft.com/office/drawing/2014/main" id="{1BF1E731-06A3-4218-86B2-550A204D2237}"/>
+                <a16:creationId xmlns:a16="http://schemas.microsoft.com/office/drawing/2014/main" id="{63628995-0118-4B49-AACF-8C61F826899B}"/>
               </a:ext>
             </a:extLst>
           </p:cNvPr>
@@ -6518,8 +7194,180 @@
         </p:nvSpPr>
         <p:spPr>
           <a:xfrm>
+            <a:off x="597039" y="1825625"/>
+            <a:ext cx="10515600" cy="4351338"/>
+          </a:xfrm>
+        </p:spPr>
+        <p:txBody>
+          <a:bodyPr>
+            <a:normAutofit fontScale="62500" lnSpcReduction="20000"/>
+          </a:bodyPr>
+          <a:lstStyle/>
+          <a:p>
+            <a:pPr marL="0" indent="0">
+              <a:buNone/>
+            </a:pPr>
+            <a:r>
+              <a:rPr lang="en-GB" b="1" dirty="0"/>
+              <a:t>What went well</a:t>
+            </a:r>
+          </a:p>
+          <a:p>
+            <a:r>
+              <a:rPr lang="en-GB" dirty="0"/>
+              <a:t>Using terraform to create the infrastructure went swiftly without many issues.</a:t>
+            </a:r>
+          </a:p>
+          <a:p>
+            <a:r>
+              <a:rPr lang="en-GB" dirty="0"/>
+              <a:t>Team meetings were helpful and orientating.</a:t>
+            </a:r>
+          </a:p>
+          <a:p>
+            <a:r>
+              <a:rPr lang="en-GB" dirty="0"/>
+              <a:t>Good team communication throughout the duration of the project.</a:t>
+            </a:r>
+          </a:p>
+          <a:p>
+            <a:r>
+              <a:rPr lang="en-GB" dirty="0"/>
+              <a:t>Created the Ansible and Jenkins files without much difficulty.</a:t>
+            </a:r>
+          </a:p>
+          <a:p>
+            <a:r>
+              <a:rPr lang="en-GB" dirty="0"/>
+              <a:t>Delivered a cost efficient solution.</a:t>
+            </a:r>
+          </a:p>
+          <a:p>
+            <a:pPr marL="0" indent="0">
+              <a:buNone/>
+            </a:pPr>
+            <a:endParaRPr lang="en-GB" dirty="0"/>
+          </a:p>
+          <a:p>
+            <a:pPr marL="0" indent="0">
+              <a:buNone/>
+            </a:pPr>
+            <a:r>
+              <a:rPr lang="en-GB" b="1" dirty="0"/>
+              <a:t>What went wrong</a:t>
+            </a:r>
+          </a:p>
+          <a:p>
+            <a:r>
+              <a:rPr lang="en-GB" dirty="0"/>
+              <a:t>Running the frontend application came with some issues that required the help of our trainer.</a:t>
+            </a:r>
+          </a:p>
+          <a:p>
+            <a:r>
+              <a:rPr lang="en-GB" dirty="0"/>
+              <a:t>Creating the pods for the cluster took longer than expected.</a:t>
+            </a:r>
+          </a:p>
+          <a:p>
+            <a:r>
+              <a:rPr lang="en-GB" dirty="0"/>
+              <a:t>Issues when using the AWS free tier service, so had to pay for running the simple Virtual Machines.</a:t>
+            </a:r>
+          </a:p>
+          <a:p>
+            <a:r>
+              <a:rPr lang="en-GB" dirty="0"/>
+              <a:t>The backend and frontend of the application not communicating, wasted a lot of time on trying to fix the issue.</a:t>
+            </a:r>
+          </a:p>
+          <a:p>
+            <a:endParaRPr lang="en-GB" dirty="0"/>
+          </a:p>
+        </p:txBody>
+      </p:sp>
+    </p:spTree>
+    <p:extLst>
+      <p:ext uri="{BB962C8B-B14F-4D97-AF65-F5344CB8AC3E}">
+        <p14:creationId xmlns:p14="http://schemas.microsoft.com/office/powerpoint/2010/main" val="3153999823"/>
+      </p:ext>
+    </p:extLst>
+  </p:cSld>
+  <p:clrMapOvr>
+    <a:masterClrMapping/>
+  </p:clrMapOvr>
+</p:sld>
+</file>
+
+<file path=ppt/slides/slide23.xml><?xml version="1.0" encoding="utf-8"?>
+<p:sld xmlns:a="http://schemas.openxmlformats.org/drawingml/2006/main" xmlns:r="http://schemas.openxmlformats.org/officeDocument/2006/relationships" xmlns:p="http://schemas.openxmlformats.org/presentationml/2006/main">
+  <p:cSld>
+    <p:spTree>
+      <p:nvGrpSpPr>
+        <p:cNvPr id="1" name=""/>
+        <p:cNvGrpSpPr/>
+        <p:nvPr/>
+      </p:nvGrpSpPr>
+      <p:grpSpPr>
+        <a:xfrm>
+          <a:off x="0" y="0"/>
+          <a:ext cx="0" cy="0"/>
+          <a:chOff x="0" y="0"/>
+          <a:chExt cx="0" cy="0"/>
+        </a:xfrm>
+      </p:grpSpPr>
+      <p:sp>
+        <p:nvSpPr>
+          <p:cNvPr id="2" name="Title 1">
+            <a:extLst>
+              <a:ext uri="{FF2B5EF4-FFF2-40B4-BE49-F238E27FC236}">
+                <a16:creationId xmlns:a16="http://schemas.microsoft.com/office/drawing/2014/main" id="{9C84EA89-44AC-497D-B887-FF1D600B107D}"/>
+              </a:ext>
+            </a:extLst>
+          </p:cNvPr>
+          <p:cNvSpPr>
+            <a:spLocks noGrp="1"/>
+          </p:cNvSpPr>
+          <p:nvPr>
+            <p:ph type="title"/>
+          </p:nvPr>
+        </p:nvSpPr>
+        <p:spPr/>
+        <p:txBody>
+          <a:bodyPr/>
+          <a:lstStyle/>
+          <a:p>
+            <a:r>
+              <a:rPr lang="en-GB" b="1" dirty="0"/>
+              <a:t>Future improvements</a:t>
+            </a:r>
+            <a:br>
+              <a:rPr lang="en-GB" b="1" dirty="0"/>
+            </a:br>
+            <a:endParaRPr lang="en-GB" dirty="0"/>
+          </a:p>
+        </p:txBody>
+      </p:sp>
+      <p:sp>
+        <p:nvSpPr>
+          <p:cNvPr id="3" name="Content Placeholder 2">
+            <a:extLst>
+              <a:ext uri="{FF2B5EF4-FFF2-40B4-BE49-F238E27FC236}">
+                <a16:creationId xmlns:a16="http://schemas.microsoft.com/office/drawing/2014/main" id="{008A4CAA-38E7-4CA2-96DD-C9EF3704984C}"/>
+              </a:ext>
+            </a:extLst>
+          </p:cNvPr>
+          <p:cNvSpPr>
+            <a:spLocks noGrp="1"/>
+          </p:cNvSpPr>
+          <p:nvPr>
+            <p:ph idx="1"/>
+          </p:nvPr>
+        </p:nvSpPr>
+        <p:spPr>
+          <a:xfrm>
             <a:off x="838200" y="1825625"/>
-            <a:ext cx="8677589" cy="726656"/>
+            <a:ext cx="9722618" cy="2032942"/>
           </a:xfrm>
         </p:spPr>
         <p:txBody>
@@ -6530,20 +7378,623 @@
           <a:p>
             <a:r>
               <a:rPr lang="en-GB" sz="1800" dirty="0"/>
-              <a:t>QA consulting and our fantastic instructors</a:t>
+              <a:t>Add the CloudWatch alert.</a:t>
             </a:r>
           </a:p>
           <a:p>
             <a:r>
               <a:rPr lang="en-GB" sz="1800" dirty="0"/>
-              <a:t>The rest of our wonderful cohort on the programme</a:t>
-            </a:r>
-          </a:p>
-          <a:p>
-            <a:pPr marL="0" indent="0">
+              <a:t>Implement the Lambda function to take daily snapshots.</a:t>
+            </a:r>
+          </a:p>
+          <a:p>
+            <a:r>
+              <a:rPr lang="en-GB" sz="1800" dirty="0" err="1"/>
+              <a:t>XRay</a:t>
+            </a:r>
+            <a:r>
+              <a:rPr lang="en-GB" sz="1800" dirty="0"/>
+              <a:t> to be implemented on the spring application so we can monitor the API level request.</a:t>
+            </a:r>
+          </a:p>
+          <a:p>
+            <a:r>
+              <a:rPr lang="en-GB" sz="1800" dirty="0" err="1"/>
+              <a:t>CodePipeline</a:t>
+            </a:r>
+            <a:r>
+              <a:rPr lang="en-GB" sz="1800" dirty="0"/>
+              <a:t> as a serverless solution and replace Jenkins.</a:t>
+            </a:r>
+          </a:p>
+          <a:p>
+            <a:endParaRPr lang="en-GB" sz="1800" dirty="0"/>
+          </a:p>
+        </p:txBody>
+      </p:sp>
+    </p:spTree>
+    <p:extLst>
+      <p:ext uri="{BB962C8B-B14F-4D97-AF65-F5344CB8AC3E}">
+        <p14:creationId xmlns:p14="http://schemas.microsoft.com/office/powerpoint/2010/main" val="1483657706"/>
+      </p:ext>
+    </p:extLst>
+  </p:cSld>
+  <p:clrMapOvr>
+    <a:masterClrMapping/>
+  </p:clrMapOvr>
+</p:sld>
+</file>
+
+<file path=ppt/slides/slide24.xml><?xml version="1.0" encoding="utf-8"?>
+<p:sld xmlns:a="http://schemas.openxmlformats.org/drawingml/2006/main" xmlns:r="http://schemas.openxmlformats.org/officeDocument/2006/relationships" xmlns:p="http://schemas.openxmlformats.org/presentationml/2006/main">
+  <p:cSld>
+    <p:bg>
+      <p:bgPr>
+        <a:solidFill>
+          <a:schemeClr val="bg1"/>
+        </a:solidFill>
+        <a:effectLst/>
+      </p:bgPr>
+    </p:bg>
+    <p:spTree>
+      <p:nvGrpSpPr>
+        <p:cNvPr id="1" name=""/>
+        <p:cNvGrpSpPr/>
+        <p:nvPr/>
+      </p:nvGrpSpPr>
+      <p:grpSpPr>
+        <a:xfrm>
+          <a:off x="0" y="0"/>
+          <a:ext cx="0" cy="0"/>
+          <a:chOff x="0" y="0"/>
+          <a:chExt cx="0" cy="0"/>
+        </a:xfrm>
+      </p:grpSpPr>
+      <p:sp>
+        <p:nvSpPr>
+          <p:cNvPr id="9" name="Rectangle 8">
+            <a:extLst>
+              <a:ext uri="{FF2B5EF4-FFF2-40B4-BE49-F238E27FC236}">
+                <a16:creationId xmlns:a16="http://schemas.microsoft.com/office/drawing/2014/main" id="{2A8AA5BC-4F7A-4226-8F99-6D824B226A97}"/>
+              </a:ext>
+              <a:ext uri="{C183D7F6-B498-43B3-948B-1728B52AA6E4}">
+                <adec:decorative xmlns:adec="http://schemas.microsoft.com/office/drawing/2017/decorative" val="1"/>
+              </a:ext>
+            </a:extLst>
+          </p:cNvPr>
+          <p:cNvSpPr>
+            <a:spLocks noGrp="1" noRot="1" noChangeAspect="1" noMove="1" noResize="1" noEditPoints="1" noAdjustHandles="1" noChangeArrowheads="1" noChangeShapeType="1" noTextEdit="1"/>
+          </p:cNvSpPr>
+          <p:nvPr>
+            <p:extLst>
+              <p:ext uri="{386F3935-93C4-4BCD-93E2-E3B085C9AB24}">
+                <p16:designElem xmlns:p16="http://schemas.microsoft.com/office/powerpoint/2015/main" val="1"/>
+              </p:ext>
+            </p:extLst>
+          </p:nvPr>
+        </p:nvSpPr>
+        <p:spPr>
+          <a:xfrm>
+            <a:off x="0" y="-3324"/>
+            <a:ext cx="12192000" cy="6861324"/>
+          </a:xfrm>
+          <a:prstGeom prst="rect">
+            <a:avLst/>
+          </a:prstGeom>
+          <a:solidFill>
+            <a:schemeClr val="bg1"/>
+          </a:solidFill>
+          <a:ln>
+            <a:noFill/>
+          </a:ln>
+        </p:spPr>
+        <p:style>
+          <a:lnRef idx="2">
+            <a:schemeClr val="accent1">
+              <a:shade val="50000"/>
+            </a:schemeClr>
+          </a:lnRef>
+          <a:fillRef idx="1">
+            <a:schemeClr val="accent1"/>
+          </a:fillRef>
+          <a:effectRef idx="0">
+            <a:schemeClr val="accent1"/>
+          </a:effectRef>
+          <a:fontRef idx="minor">
+            <a:schemeClr val="lt1"/>
+          </a:fontRef>
+        </p:style>
+        <p:txBody>
+          <a:bodyPr rtlCol="0" anchor="ctr"/>
+          <a:lstStyle/>
+          <a:p>
+            <a:pPr marL="0" marR="0" lvl="0" indent="0" algn="ctr" defTabSz="914400" rtl="0" eaLnBrk="1" fontAlgn="auto" latinLnBrk="0" hangingPunct="1">
+              <a:lnSpc>
+                <a:spcPct val="100000"/>
+              </a:lnSpc>
+              <a:spcBef>
+                <a:spcPts val="0"/>
+              </a:spcBef>
+              <a:spcAft>
+                <a:spcPts val="0"/>
+              </a:spcAft>
+              <a:buClrTx/>
+              <a:buSzTx/>
+              <a:buFontTx/>
               <a:buNone/>
+              <a:tabLst/>
+              <a:defRPr/>
             </a:pPr>
-            <a:endParaRPr lang="en-GB" sz="1800" dirty="0"/>
+            <a:endParaRPr kumimoji="0" lang="en-US" sz="1800" b="0" i="0" u="none" strike="noStrike" kern="1200" cap="none" spc="0" normalizeH="0" baseline="0" noProof="0" dirty="0">
+              <a:ln>
+                <a:noFill/>
+              </a:ln>
+              <a:solidFill>
+                <a:prstClr val="white"/>
+              </a:solidFill>
+              <a:effectLst/>
+              <a:uLnTx/>
+              <a:uFillTx/>
+              <a:latin typeface="Calibri" panose="020F0502020204030204"/>
+              <a:ea typeface="+mn-ea"/>
+              <a:cs typeface="+mn-cs"/>
+            </a:endParaRPr>
+          </a:p>
+        </p:txBody>
+      </p:sp>
+      <p:cxnSp>
+        <p:nvCxnSpPr>
+          <p:cNvPr id="11" name="Straight Connector 10">
+            <a:extLst>
+              <a:ext uri="{FF2B5EF4-FFF2-40B4-BE49-F238E27FC236}">
+                <a16:creationId xmlns:a16="http://schemas.microsoft.com/office/drawing/2014/main" id="{911DBBF1-3229-4BD9-B3D1-B4CA571E7431}"/>
+              </a:ext>
+              <a:ext uri="{C183D7F6-B498-43B3-948B-1728B52AA6E4}">
+                <adec:decorative xmlns:adec="http://schemas.microsoft.com/office/drawing/2017/decorative" val="1"/>
+              </a:ext>
+            </a:extLst>
+          </p:cNvPr>
+          <p:cNvCxnSpPr>
+            <a:cxnSpLocks noGrp="1" noRot="1" noChangeAspect="1" noMove="1" noResize="1" noEditPoints="1" noAdjustHandles="1" noChangeArrowheads="1" noChangeShapeType="1"/>
+          </p:cNvCxnSpPr>
+          <p:nvPr>
+            <p:extLst>
+              <p:ext uri="{386F3935-93C4-4BCD-93E2-E3B085C9AB24}">
+                <p16:designElem xmlns:p16="http://schemas.microsoft.com/office/powerpoint/2015/main" val="1"/>
+              </p:ext>
+            </p:extLst>
+          </p:nvPr>
+        </p:nvCxnSpPr>
+        <p:spPr bwMode="white">
+          <a:xfrm>
+            <a:off x="0" y="843625"/>
+            <a:ext cx="12188824" cy="0"/>
+          </a:xfrm>
+          <a:prstGeom prst="line">
+            <a:avLst/>
+          </a:prstGeom>
+          <a:ln w="50800">
+            <a:solidFill>
+              <a:schemeClr val="tx1">
+                <a:lumMod val="75000"/>
+                <a:lumOff val="25000"/>
+              </a:schemeClr>
+            </a:solidFill>
+          </a:ln>
+        </p:spPr>
+        <p:style>
+          <a:lnRef idx="1">
+            <a:schemeClr val="accent1"/>
+          </a:lnRef>
+          <a:fillRef idx="0">
+            <a:schemeClr val="accent1"/>
+          </a:fillRef>
+          <a:effectRef idx="0">
+            <a:schemeClr val="accent1"/>
+          </a:effectRef>
+          <a:fontRef idx="minor">
+            <a:schemeClr val="tx1"/>
+          </a:fontRef>
+        </p:style>
+      </p:cxnSp>
+      <p:sp>
+        <p:nvSpPr>
+          <p:cNvPr id="13" name="Rectangle 12">
+            <a:extLst>
+              <a:ext uri="{FF2B5EF4-FFF2-40B4-BE49-F238E27FC236}">
+                <a16:creationId xmlns:a16="http://schemas.microsoft.com/office/drawing/2014/main" id="{5BC87C3E-1040-4EE4-9BDB-9537F7A1B335}"/>
+              </a:ext>
+              <a:ext uri="{C183D7F6-B498-43B3-948B-1728B52AA6E4}">
+                <adec:decorative xmlns:adec="http://schemas.microsoft.com/office/drawing/2017/decorative" val="1"/>
+              </a:ext>
+            </a:extLst>
+          </p:cNvPr>
+          <p:cNvSpPr>
+            <a:spLocks noGrp="1" noRot="1" noChangeAspect="1" noMove="1" noResize="1" noEditPoints="1" noAdjustHandles="1" noChangeArrowheads="1" noChangeShapeType="1" noTextEdit="1"/>
+          </p:cNvSpPr>
+          <p:nvPr>
+            <p:extLst>
+              <p:ext uri="{386F3935-93C4-4BCD-93E2-E3B085C9AB24}">
+                <p16:designElem xmlns:p16="http://schemas.microsoft.com/office/powerpoint/2015/main" val="1"/>
+              </p:ext>
+            </p:extLst>
+          </p:nvPr>
+        </p:nvSpPr>
+        <p:spPr>
+          <a:xfrm>
+            <a:off x="0" y="968282"/>
+            <a:ext cx="12192000" cy="4946904"/>
+          </a:xfrm>
+          <a:prstGeom prst="rect">
+            <a:avLst/>
+          </a:prstGeom>
+          <a:solidFill>
+            <a:schemeClr val="tx1">
+              <a:lumMod val="75000"/>
+              <a:lumOff val="25000"/>
+            </a:schemeClr>
+          </a:solidFill>
+          <a:ln>
+            <a:noFill/>
+          </a:ln>
+        </p:spPr>
+        <p:style>
+          <a:lnRef idx="2">
+            <a:schemeClr val="accent1">
+              <a:shade val="50000"/>
+            </a:schemeClr>
+          </a:lnRef>
+          <a:fillRef idx="1">
+            <a:schemeClr val="accent1"/>
+          </a:fillRef>
+          <a:effectRef idx="0">
+            <a:schemeClr val="accent1"/>
+          </a:effectRef>
+          <a:fontRef idx="minor">
+            <a:schemeClr val="lt1"/>
+          </a:fontRef>
+        </p:style>
+        <p:txBody>
+          <a:bodyPr rtlCol="0" anchor="ctr"/>
+          <a:lstStyle/>
+          <a:p>
+            <a:pPr algn="ctr"/>
+            <a:endParaRPr lang="en-US"/>
+          </a:p>
+        </p:txBody>
+      </p:sp>
+      <p:sp>
+        <p:nvSpPr>
+          <p:cNvPr id="4" name="Rectangle 3">
+            <a:extLst>
+              <a:ext uri="{FF2B5EF4-FFF2-40B4-BE49-F238E27FC236}">
+                <a16:creationId xmlns:a16="http://schemas.microsoft.com/office/drawing/2014/main" id="{F8881B4B-0512-4A06-9D4C-8ED94350E9D1}"/>
+              </a:ext>
+            </a:extLst>
+          </p:cNvPr>
+          <p:cNvSpPr/>
+          <p:nvPr/>
+        </p:nvSpPr>
+        <p:spPr>
+          <a:xfrm>
+            <a:off x="795338" y="1566473"/>
+            <a:ext cx="10601325" cy="2166723"/>
+          </a:xfrm>
+          <a:prstGeom prst="rect">
+            <a:avLst/>
+          </a:prstGeom>
+        </p:spPr>
+        <p:txBody>
+          <a:bodyPr vert="horz" lIns="91440" tIns="45720" rIns="91440" bIns="45720" rtlCol="0" anchor="b">
+            <a:normAutofit/>
+          </a:bodyPr>
+          <a:lstStyle/>
+          <a:p>
+            <a:pPr algn="ctr">
+              <a:lnSpc>
+                <a:spcPct val="90000"/>
+              </a:lnSpc>
+              <a:spcBef>
+                <a:spcPct val="0"/>
+              </a:spcBef>
+              <a:spcAft>
+                <a:spcPts val="600"/>
+              </a:spcAft>
+            </a:pPr>
+            <a:r>
+              <a:rPr lang="en-US" sz="6600" b="1" dirty="0">
+                <a:ln w="12700" cmpd="sng">
+                  <a:solidFill>
+                    <a:schemeClr val="accent4"/>
+                  </a:solidFill>
+                  <a:prstDash val="solid"/>
+                </a:ln>
+                <a:solidFill>
+                  <a:schemeClr val="bg1"/>
+                </a:solidFill>
+                <a:latin typeface="+mj-lt"/>
+                <a:ea typeface="+mj-ea"/>
+                <a:cs typeface="+mj-cs"/>
+              </a:rPr>
+              <a:t>Demo</a:t>
+            </a:r>
+            <a:endParaRPr lang="en-US" sz="6600" b="1" kern="1200" cap="none" spc="0" dirty="0">
+              <a:ln w="12700" cmpd="sng">
+                <a:solidFill>
+                  <a:schemeClr val="accent4"/>
+                </a:solidFill>
+                <a:prstDash val="solid"/>
+              </a:ln>
+              <a:solidFill>
+                <a:schemeClr val="bg1"/>
+              </a:solidFill>
+              <a:effectLst/>
+              <a:latin typeface="+mj-lt"/>
+              <a:ea typeface="+mj-ea"/>
+              <a:cs typeface="+mj-cs"/>
+            </a:endParaRPr>
+          </a:p>
+        </p:txBody>
+      </p:sp>
+      <p:cxnSp>
+        <p:nvCxnSpPr>
+          <p:cNvPr id="21" name="Straight Connector 14">
+            <a:extLst>
+              <a:ext uri="{FF2B5EF4-FFF2-40B4-BE49-F238E27FC236}">
+                <a16:creationId xmlns:a16="http://schemas.microsoft.com/office/drawing/2014/main" id="{42CDBECE-872A-4C73-9DC1-BB4E805E2CF5}"/>
+              </a:ext>
+              <a:ext uri="{C183D7F6-B498-43B3-948B-1728B52AA6E4}">
+                <adec:decorative xmlns:adec="http://schemas.microsoft.com/office/drawing/2017/decorative" val="1"/>
+              </a:ext>
+            </a:extLst>
+          </p:cNvPr>
+          <p:cNvCxnSpPr>
+            <a:cxnSpLocks noGrp="1" noRot="1" noChangeAspect="1" noMove="1" noResize="1" noEditPoints="1" noAdjustHandles="1" noChangeArrowheads="1" noChangeShapeType="1"/>
+          </p:cNvCxnSpPr>
+          <p:nvPr>
+            <p:extLst>
+              <p:ext uri="{386F3935-93C4-4BCD-93E2-E3B085C9AB24}">
+                <p16:designElem xmlns:p16="http://schemas.microsoft.com/office/powerpoint/2015/main" val="1"/>
+              </p:ext>
+            </p:extLst>
+          </p:nvPr>
+        </p:nvCxnSpPr>
+        <p:spPr>
+          <a:xfrm>
+            <a:off x="4724400" y="3894594"/>
+            <a:ext cx="2743200" cy="0"/>
+          </a:xfrm>
+          <a:prstGeom prst="line">
+            <a:avLst/>
+          </a:prstGeom>
+          <a:ln w="19050">
+            <a:solidFill>
+              <a:schemeClr val="bg1">
+                <a:alpha val="75000"/>
+              </a:schemeClr>
+            </a:solidFill>
+          </a:ln>
+        </p:spPr>
+        <p:style>
+          <a:lnRef idx="1">
+            <a:schemeClr val="accent1"/>
+          </a:lnRef>
+          <a:fillRef idx="0">
+            <a:schemeClr val="accent1"/>
+          </a:fillRef>
+          <a:effectRef idx="0">
+            <a:schemeClr val="accent1"/>
+          </a:effectRef>
+          <a:fontRef idx="minor">
+            <a:schemeClr val="tx1"/>
+          </a:fontRef>
+        </p:style>
+      </p:cxnSp>
+      <p:cxnSp>
+        <p:nvCxnSpPr>
+          <p:cNvPr id="22" name="Straight Connector 16">
+            <a:extLst>
+              <a:ext uri="{FF2B5EF4-FFF2-40B4-BE49-F238E27FC236}">
+                <a16:creationId xmlns:a16="http://schemas.microsoft.com/office/drawing/2014/main" id="{F5CD5A0B-CDD7-427C-AA42-2EECFDFA1811}"/>
+              </a:ext>
+              <a:ext uri="{C183D7F6-B498-43B3-948B-1728B52AA6E4}">
+                <adec:decorative xmlns:adec="http://schemas.microsoft.com/office/drawing/2017/decorative" val="1"/>
+              </a:ext>
+            </a:extLst>
+          </p:cNvPr>
+          <p:cNvCxnSpPr>
+            <a:cxnSpLocks noGrp="1" noRot="1" noChangeAspect="1" noMove="1" noResize="1" noEditPoints="1" noAdjustHandles="1" noChangeArrowheads="1" noChangeShapeType="1"/>
+          </p:cNvCxnSpPr>
+          <p:nvPr>
+            <p:extLst>
+              <p:ext uri="{386F3935-93C4-4BCD-93E2-E3B085C9AB24}">
+                <p16:designElem xmlns:p16="http://schemas.microsoft.com/office/powerpoint/2015/main" val="1"/>
+              </p:ext>
+            </p:extLst>
+          </p:nvPr>
+        </p:nvCxnSpPr>
+        <p:spPr bwMode="white">
+          <a:xfrm>
+            <a:off x="0" y="6028863"/>
+            <a:ext cx="12188824" cy="0"/>
+          </a:xfrm>
+          <a:prstGeom prst="line">
+            <a:avLst/>
+          </a:prstGeom>
+          <a:ln w="50800">
+            <a:solidFill>
+              <a:schemeClr val="tx1">
+                <a:lumMod val="75000"/>
+                <a:lumOff val="25000"/>
+              </a:schemeClr>
+            </a:solidFill>
+          </a:ln>
+        </p:spPr>
+        <p:style>
+          <a:lnRef idx="1">
+            <a:schemeClr val="accent1"/>
+          </a:lnRef>
+          <a:fillRef idx="0">
+            <a:schemeClr val="accent1"/>
+          </a:fillRef>
+          <a:effectRef idx="0">
+            <a:schemeClr val="accent1"/>
+          </a:effectRef>
+          <a:fontRef idx="minor">
+            <a:schemeClr val="tx1"/>
+          </a:fontRef>
+        </p:style>
+      </p:cxnSp>
+    </p:spTree>
+    <p:extLst>
+      <p:ext uri="{BB962C8B-B14F-4D97-AF65-F5344CB8AC3E}">
+        <p14:creationId xmlns:p14="http://schemas.microsoft.com/office/powerpoint/2010/main" val="1979868383"/>
+      </p:ext>
+    </p:extLst>
+  </p:cSld>
+  <p:clrMapOvr>
+    <a:masterClrMapping/>
+  </p:clrMapOvr>
+</p:sld>
+</file>
+
+<file path=ppt/slides/slide25.xml><?xml version="1.0" encoding="utf-8"?>
+<p:sld xmlns:a="http://schemas.openxmlformats.org/drawingml/2006/main" xmlns:r="http://schemas.openxmlformats.org/officeDocument/2006/relationships" xmlns:p="http://schemas.openxmlformats.org/presentationml/2006/main">
+  <p:cSld>
+    <p:spTree>
+      <p:nvGrpSpPr>
+        <p:cNvPr id="1" name=""/>
+        <p:cNvGrpSpPr/>
+        <p:nvPr/>
+      </p:nvGrpSpPr>
+      <p:grpSpPr>
+        <a:xfrm>
+          <a:off x="0" y="0"/>
+          <a:ext cx="0" cy="0"/>
+          <a:chOff x="0" y="0"/>
+          <a:chExt cx="0" cy="0"/>
+        </a:xfrm>
+      </p:grpSpPr>
+      <p:sp>
+        <p:nvSpPr>
+          <p:cNvPr id="4" name="Rectangle 3">
+            <a:extLst>
+              <a:ext uri="{FF2B5EF4-FFF2-40B4-BE49-F238E27FC236}">
+                <a16:creationId xmlns:a16="http://schemas.microsoft.com/office/drawing/2014/main" id="{EF3AFA61-2747-4E14-B0B7-951A14CEEF39}"/>
+              </a:ext>
+            </a:extLst>
+          </p:cNvPr>
+          <p:cNvSpPr/>
+          <p:nvPr/>
+        </p:nvSpPr>
+        <p:spPr>
+          <a:xfrm>
+            <a:off x="3259476" y="2062983"/>
+            <a:ext cx="5371597" cy="3416320"/>
+          </a:xfrm>
+          <a:prstGeom prst="rect">
+            <a:avLst/>
+          </a:prstGeom>
+          <a:noFill/>
+        </p:spPr>
+        <p:txBody>
+          <a:bodyPr wrap="square" lIns="91440" tIns="45720" rIns="91440" bIns="45720">
+            <a:spAutoFit/>
+          </a:bodyPr>
+          <a:lstStyle/>
+          <a:p>
+            <a:pPr algn="ctr"/>
+            <a:r>
+              <a:rPr lang="en-US" sz="5400" b="1" cap="none" spc="0" dirty="0">
+                <a:ln w="13462">
+                  <a:solidFill>
+                    <a:schemeClr val="bg1"/>
+                  </a:solidFill>
+                  <a:prstDash val="solid"/>
+                </a:ln>
+                <a:solidFill>
+                  <a:schemeClr val="tx1">
+                    <a:lumMod val="85000"/>
+                    <a:lumOff val="15000"/>
+                  </a:schemeClr>
+                </a:solidFill>
+                <a:effectLst>
+                  <a:outerShdw dist="38100" dir="2700000" algn="bl" rotWithShape="0">
+                    <a:schemeClr val="accent5"/>
+                  </a:outerShdw>
+                </a:effectLst>
+              </a:rPr>
+              <a:t>Thank you &amp;</a:t>
+            </a:r>
+          </a:p>
+          <a:p>
+            <a:pPr algn="ctr"/>
+            <a:r>
+              <a:rPr lang="en-US" sz="5400" b="1" dirty="0">
+                <a:ln w="13462">
+                  <a:solidFill>
+                    <a:schemeClr val="bg1"/>
+                  </a:solidFill>
+                  <a:prstDash val="solid"/>
+                </a:ln>
+                <a:solidFill>
+                  <a:schemeClr val="tx1">
+                    <a:lumMod val="85000"/>
+                    <a:lumOff val="15000"/>
+                  </a:schemeClr>
+                </a:solidFill>
+                <a:effectLst>
+                  <a:outerShdw dist="38100" dir="2700000" algn="bl" rotWithShape="0">
+                    <a:schemeClr val="accent5"/>
+                  </a:outerShdw>
+                </a:effectLst>
+              </a:rPr>
+              <a:t>any Questions? </a:t>
+            </a:r>
+          </a:p>
+          <a:p>
+            <a:pPr algn="ctr"/>
+            <a:endParaRPr lang="en-US" sz="5400" b="1" cap="none" spc="0" dirty="0">
+              <a:ln w="13462">
+                <a:solidFill>
+                  <a:schemeClr val="bg1"/>
+                </a:solidFill>
+                <a:prstDash val="solid"/>
+              </a:ln>
+              <a:solidFill>
+                <a:schemeClr val="tx1">
+                  <a:lumMod val="85000"/>
+                  <a:lumOff val="15000"/>
+                </a:schemeClr>
+              </a:solidFill>
+              <a:effectLst>
+                <a:outerShdw dist="38100" dir="2700000" algn="bl" rotWithShape="0">
+                  <a:schemeClr val="accent5"/>
+                </a:outerShdw>
+              </a:effectLst>
+            </a:endParaRPr>
+          </a:p>
+          <a:p>
+            <a:pPr algn="ctr"/>
+            <a:endParaRPr lang="en-US" sz="5400" b="1" cap="none" spc="0" dirty="0">
+              <a:ln w="13462">
+                <a:solidFill>
+                  <a:schemeClr val="bg1"/>
+                </a:solidFill>
+                <a:prstDash val="solid"/>
+              </a:ln>
+              <a:solidFill>
+                <a:schemeClr val="tx1">
+                  <a:lumMod val="85000"/>
+                  <a:lumOff val="15000"/>
+                </a:schemeClr>
+              </a:solidFill>
+              <a:effectLst>
+                <a:outerShdw dist="38100" dir="2700000" algn="bl" rotWithShape="0">
+                  <a:schemeClr val="accent5"/>
+                </a:outerShdw>
+              </a:effectLst>
+            </a:endParaRPr>
           </a:p>
         </p:txBody>
       </p:sp>
